--- a/relazione/presentazione.pptx
+++ b/relazione/presentazione.pptx
@@ -13,10 +13,14 @@
     <p:sldId id="270" r:id="rId7"/>
     <p:sldId id="271" r:id="rId8"/>
     <p:sldId id="272" r:id="rId9"/>
-    <p:sldId id="273" r:id="rId10"/>
-    <p:sldId id="274" r:id="rId11"/>
-    <p:sldId id="275" r:id="rId12"/>
-    <p:sldId id="276" r:id="rId13"/>
+    <p:sldId id="278" r:id="rId10"/>
+    <p:sldId id="279" r:id="rId11"/>
+    <p:sldId id="280" r:id="rId12"/>
+    <p:sldId id="277" r:id="rId13"/>
+    <p:sldId id="273" r:id="rId14"/>
+    <p:sldId id="274" r:id="rId15"/>
+    <p:sldId id="275" r:id="rId16"/>
+    <p:sldId id="276" r:id="rId17"/>
   </p:sldIdLst>
   <p:sldSz cx="12192000" cy="6858000"/>
   <p:notesSz cx="6858000" cy="9144000"/>
@@ -115,6 +119,11 @@
       </a:defRPr>
     </a:lvl9pPr>
   </p:defaultTextStyle>
+  <p:extLst>
+    <p:ext uri="{EFAFB233-063F-42B5-8137-9DF3F51BA10A}">
+      <p15:sldGuideLst xmlns:p15="http://schemas.microsoft.com/office/powerpoint/2012/main"/>
+    </p:ext>
+  </p:extLst>
 </p:presentation>
 </file>
 
@@ -5351,7 +5360,7 @@
             <a:fld id="{3C2B07E4-CDF9-4C88-A2F3-04620E58224D}" type="datetimeFigureOut">
               <a:rPr lang="en-US" smtClean="0"/>
               <a:pPr/>
-              <a:t>6/3/2021</a:t>
+              <a:t>6/6/2021</a:t>
             </a:fld>
             <a:endParaRPr lang="en-US" dirty="0"/>
           </a:p>
@@ -5551,7 +5560,7 @@
             <a:fld id="{3C2B07E4-CDF9-4C88-A2F3-04620E58224D}" type="datetimeFigureOut">
               <a:rPr lang="en-US" smtClean="0"/>
               <a:pPr/>
-              <a:t>6/3/2021</a:t>
+              <a:t>6/6/2021</a:t>
             </a:fld>
             <a:endParaRPr lang="en-US" dirty="0"/>
           </a:p>
@@ -5761,7 +5770,7 @@
             <a:fld id="{3C2B07E4-CDF9-4C88-A2F3-04620E58224D}" type="datetimeFigureOut">
               <a:rPr lang="en-US" smtClean="0"/>
               <a:pPr/>
-              <a:t>6/3/2021</a:t>
+              <a:t>6/6/2021</a:t>
             </a:fld>
             <a:endParaRPr lang="en-US" dirty="0"/>
           </a:p>
@@ -5961,7 +5970,7 @@
             <a:fld id="{3C2B07E4-CDF9-4C88-A2F3-04620E58224D}" type="datetimeFigureOut">
               <a:rPr lang="en-US" smtClean="0"/>
               <a:pPr/>
-              <a:t>6/3/2021</a:t>
+              <a:t>6/6/2021</a:t>
             </a:fld>
             <a:endParaRPr lang="en-US" dirty="0"/>
           </a:p>
@@ -6238,7 +6247,7 @@
             <a:fld id="{3C2B07E4-CDF9-4C88-A2F3-04620E58224D}" type="datetimeFigureOut">
               <a:rPr lang="en-US" smtClean="0"/>
               <a:pPr/>
-              <a:t>6/3/2021</a:t>
+              <a:t>6/6/2021</a:t>
             </a:fld>
             <a:endParaRPr lang="en-US" dirty="0"/>
           </a:p>
@@ -6505,7 +6514,7 @@
             <a:fld id="{3C2B07E4-CDF9-4C88-A2F3-04620E58224D}" type="datetimeFigureOut">
               <a:rPr lang="en-US" smtClean="0"/>
               <a:pPr/>
-              <a:t>6/3/2021</a:t>
+              <a:t>6/6/2021</a:t>
             </a:fld>
             <a:endParaRPr lang="en-US" dirty="0"/>
           </a:p>
@@ -6919,7 +6928,7 @@
             <a:fld id="{3C2B07E4-CDF9-4C88-A2F3-04620E58224D}" type="datetimeFigureOut">
               <a:rPr lang="en-US" smtClean="0"/>
               <a:pPr/>
-              <a:t>6/3/2021</a:t>
+              <a:t>6/6/2021</a:t>
             </a:fld>
             <a:endParaRPr lang="en-US" dirty="0"/>
           </a:p>
@@ -7062,7 +7071,7 @@
             <a:fld id="{3C2B07E4-CDF9-4C88-A2F3-04620E58224D}" type="datetimeFigureOut">
               <a:rPr lang="en-US" smtClean="0"/>
               <a:pPr/>
-              <a:t>6/3/2021</a:t>
+              <a:t>6/6/2021</a:t>
             </a:fld>
             <a:endParaRPr lang="en-US" dirty="0"/>
           </a:p>
@@ -7177,7 +7186,7 @@
             <a:fld id="{3C2B07E4-CDF9-4C88-A2F3-04620E58224D}" type="datetimeFigureOut">
               <a:rPr lang="en-US" smtClean="0"/>
               <a:pPr/>
-              <a:t>6/3/2021</a:t>
+              <a:t>6/6/2021</a:t>
             </a:fld>
             <a:endParaRPr lang="en-US" dirty="0"/>
           </a:p>
@@ -7490,7 +7499,7 @@
             <a:fld id="{3C2B07E4-CDF9-4C88-A2F3-04620E58224D}" type="datetimeFigureOut">
               <a:rPr lang="en-US" smtClean="0"/>
               <a:pPr/>
-              <a:t>6/3/2021</a:t>
+              <a:t>6/6/2021</a:t>
             </a:fld>
             <a:endParaRPr lang="en-US" dirty="0"/>
           </a:p>
@@ -7780,7 +7789,7 @@
             <a:fld id="{3C2B07E4-CDF9-4C88-A2F3-04620E58224D}" type="datetimeFigureOut">
               <a:rPr lang="en-US" smtClean="0"/>
               <a:pPr/>
-              <a:t>6/3/2021</a:t>
+              <a:t>6/6/2021</a:t>
             </a:fld>
             <a:endParaRPr lang="en-US" dirty="0"/>
           </a:p>
@@ -8023,7 +8032,7 @@
             <a:fld id="{3C2B07E4-CDF9-4C88-A2F3-04620E58224D}" type="datetimeFigureOut">
               <a:rPr lang="en-US" smtClean="0"/>
               <a:pPr/>
-              <a:t>6/3/2021</a:t>
+              <a:t>6/6/2021</a:t>
             </a:fld>
             <a:endParaRPr lang="en-US" dirty="0"/>
           </a:p>
@@ -9753,135 +9762,484 @@
                 <a:latin typeface="Roboto" panose="02000000000000000000" pitchFamily="2" charset="0"/>
                 <a:ea typeface="Roboto" panose="02000000000000000000" pitchFamily="2" charset="0"/>
               </a:rPr>
-              <a:t>Performance</a:t>
+              <a:t>Implementazione: query 2</a:t>
             </a:r>
           </a:p>
         </p:txBody>
       </p:sp>
-      <p:graphicFrame>
-        <p:nvGraphicFramePr>
-          <p:cNvPr id="7" name="Grafico 6">
-            <a:extLst>
-              <a:ext uri="{FF2B5EF4-FFF2-40B4-BE49-F238E27FC236}">
-                <a16:creationId xmlns:a16="http://schemas.microsoft.com/office/drawing/2014/main" id="{6EF3129B-C43F-42CD-80E6-BB9182FD05DB}"/>
-              </a:ext>
-            </a:extLst>
-          </p:cNvPr>
-          <p:cNvGraphicFramePr>
-            <a:graphicFrameLocks/>
-          </p:cNvGraphicFramePr>
-          <p:nvPr>
-            <p:extLst>
-              <p:ext uri="{D42A27DB-BD31-4B8C-83A1-F6EECF244321}">
-                <p14:modId xmlns:p14="http://schemas.microsoft.com/office/powerpoint/2010/main" val="2574234345"/>
-              </p:ext>
-            </p:extLst>
-          </p:nvPr>
-        </p:nvGraphicFramePr>
-        <p:xfrm>
-          <a:off x="838200" y="2086463"/>
-          <a:ext cx="4132385" cy="2298211"/>
-        </p:xfrm>
-        <a:graphic>
-          <a:graphicData uri="http://schemas.openxmlformats.org/drawingml/2006/chart">
-            <c:chart xmlns:c="http://schemas.openxmlformats.org/drawingml/2006/chart" xmlns:r="http://schemas.openxmlformats.org/officeDocument/2006/relationships" r:id="rId2"/>
-          </a:graphicData>
-        </a:graphic>
-      </p:graphicFrame>
-      <p:graphicFrame>
-        <p:nvGraphicFramePr>
-          <p:cNvPr id="9" name="Grafico 8">
-            <a:extLst>
-              <a:ext uri="{FF2B5EF4-FFF2-40B4-BE49-F238E27FC236}">
-                <a16:creationId xmlns:a16="http://schemas.microsoft.com/office/drawing/2014/main" id="{8E684088-8564-42CA-8AF1-95985DCEB0C2}"/>
-              </a:ext>
-            </a:extLst>
-          </p:cNvPr>
-          <p:cNvGraphicFramePr>
-            <a:graphicFrameLocks/>
-          </p:cNvGraphicFramePr>
-          <p:nvPr>
-            <p:extLst>
-              <p:ext uri="{D42A27DB-BD31-4B8C-83A1-F6EECF244321}">
-                <p14:modId xmlns:p14="http://schemas.microsoft.com/office/powerpoint/2010/main" val="1746160389"/>
-              </p:ext>
-            </p:extLst>
-          </p:nvPr>
-        </p:nvGraphicFramePr>
-        <p:xfrm>
-          <a:off x="6781800" y="2086463"/>
-          <a:ext cx="4132385" cy="2298211"/>
-        </p:xfrm>
-        <a:graphic>
-          <a:graphicData uri="http://schemas.openxmlformats.org/drawingml/2006/chart">
-            <c:chart xmlns:c="http://schemas.openxmlformats.org/drawingml/2006/chart" xmlns:r="http://schemas.openxmlformats.org/officeDocument/2006/relationships" r:id="rId3"/>
-          </a:graphicData>
-        </a:graphic>
-      </p:graphicFrame>
-      <p:graphicFrame>
-        <p:nvGraphicFramePr>
-          <p:cNvPr id="10" name="Grafico 9">
-            <a:extLst>
-              <a:ext uri="{FF2B5EF4-FFF2-40B4-BE49-F238E27FC236}">
-                <a16:creationId xmlns:a16="http://schemas.microsoft.com/office/drawing/2014/main" id="{0425C7D8-5C86-47E9-8284-436CF07E5EB0}"/>
-              </a:ext>
-            </a:extLst>
-          </p:cNvPr>
-          <p:cNvGraphicFramePr>
-            <a:graphicFrameLocks/>
-          </p:cNvGraphicFramePr>
-          <p:nvPr>
-            <p:extLst>
-              <p:ext uri="{D42A27DB-BD31-4B8C-83A1-F6EECF244321}">
-                <p14:modId xmlns:p14="http://schemas.microsoft.com/office/powerpoint/2010/main" val="568237869"/>
-              </p:ext>
-            </p:extLst>
-          </p:nvPr>
-        </p:nvGraphicFramePr>
-        <p:xfrm>
-          <a:off x="838200" y="4548310"/>
-          <a:ext cx="4132385" cy="2298212"/>
-        </p:xfrm>
-        <a:graphic>
-          <a:graphicData uri="http://schemas.openxmlformats.org/drawingml/2006/chart">
-            <c:chart xmlns:c="http://schemas.openxmlformats.org/drawingml/2006/chart" xmlns:r="http://schemas.openxmlformats.org/officeDocument/2006/relationships" r:id="rId4"/>
-          </a:graphicData>
-        </a:graphic>
-      </p:graphicFrame>
-      <p:graphicFrame>
-        <p:nvGraphicFramePr>
-          <p:cNvPr id="11" name="Grafico 10">
-            <a:extLst>
-              <a:ext uri="{FF2B5EF4-FFF2-40B4-BE49-F238E27FC236}">
-                <a16:creationId xmlns:a16="http://schemas.microsoft.com/office/drawing/2014/main" id="{1BBB399D-577C-4BE5-82B3-A57E7220ADEA}"/>
-              </a:ext>
-            </a:extLst>
-          </p:cNvPr>
-          <p:cNvGraphicFramePr>
-            <a:graphicFrameLocks/>
-          </p:cNvGraphicFramePr>
-          <p:nvPr>
-            <p:extLst>
-              <p:ext uri="{D42A27DB-BD31-4B8C-83A1-F6EECF244321}">
-                <p14:modId xmlns:p14="http://schemas.microsoft.com/office/powerpoint/2010/main" val="1136146332"/>
-              </p:ext>
-            </p:extLst>
-          </p:nvPr>
-        </p:nvGraphicFramePr>
-        <p:xfrm>
-          <a:off x="6781800" y="4559787"/>
-          <a:ext cx="4132385" cy="2298213"/>
-        </p:xfrm>
-        <a:graphic>
-          <a:graphicData uri="http://schemas.openxmlformats.org/drawingml/2006/chart">
-            <c:chart xmlns:c="http://schemas.openxmlformats.org/drawingml/2006/chart" xmlns:r="http://schemas.openxmlformats.org/officeDocument/2006/relationships" r:id="rId5"/>
-          </a:graphicData>
-        </a:graphic>
-      </p:graphicFrame>
+      <p:pic>
+        <p:nvPicPr>
+          <p:cNvPr id="4" name="Immagine 3" descr="Immagine che contiene testo, segnale&#10;&#10;Descrizione generata automaticamente">
+            <a:extLst>
+              <a:ext uri="{FF2B5EF4-FFF2-40B4-BE49-F238E27FC236}">
+                <a16:creationId xmlns:a16="http://schemas.microsoft.com/office/drawing/2014/main" id="{FAA271E7-1BEB-4CBE-B8B8-3FA47B25F398}"/>
+              </a:ext>
+            </a:extLst>
+          </p:cNvPr>
+          <p:cNvPicPr>
+            <a:picLocks noChangeAspect="1"/>
+          </p:cNvPicPr>
+          <p:nvPr/>
+        </p:nvPicPr>
+        <p:blipFill>
+          <a:blip r:embed="rId2">
+            <a:extLst>
+              <a:ext uri="{28A0092B-C50C-407E-A947-70E740481C1C}">
+                <a14:useLocalDpi xmlns:a14="http://schemas.microsoft.com/office/drawing/2010/main" val="0"/>
+              </a:ext>
+            </a:extLst>
+          </a:blip>
+          <a:stretch>
+            <a:fillRect/>
+          </a:stretch>
+        </p:blipFill>
+        <p:spPr>
+          <a:xfrm>
+            <a:off x="2715984" y="2238209"/>
+            <a:ext cx="1457528" cy="2381582"/>
+          </a:xfrm>
+          <a:prstGeom prst="rect">
+            <a:avLst/>
+          </a:prstGeom>
+        </p:spPr>
+      </p:pic>
+      <p:pic>
+        <p:nvPicPr>
+          <p:cNvPr id="9" name="Immagine 8">
+            <a:extLst>
+              <a:ext uri="{FF2B5EF4-FFF2-40B4-BE49-F238E27FC236}">
+                <a16:creationId xmlns:a16="http://schemas.microsoft.com/office/drawing/2014/main" id="{63B0553F-E672-47E4-9EF8-CD68645DD84A}"/>
+              </a:ext>
+            </a:extLst>
+          </p:cNvPr>
+          <p:cNvPicPr>
+            <a:picLocks noChangeAspect="1"/>
+          </p:cNvPicPr>
+          <p:nvPr/>
+        </p:nvPicPr>
+        <p:blipFill>
+          <a:blip r:embed="rId3">
+            <a:extLst>
+              <a:ext uri="{28A0092B-C50C-407E-A947-70E740481C1C}">
+                <a14:useLocalDpi xmlns:a14="http://schemas.microsoft.com/office/drawing/2010/main" val="0"/>
+              </a:ext>
+            </a:extLst>
+          </a:blip>
+          <a:stretch>
+            <a:fillRect/>
+          </a:stretch>
+        </p:blipFill>
+        <p:spPr>
+          <a:xfrm>
+            <a:off x="4337727" y="2238209"/>
+            <a:ext cx="5916616" cy="4254666"/>
+          </a:xfrm>
+          <a:prstGeom prst="rect">
+            <a:avLst/>
+          </a:prstGeom>
+        </p:spPr>
+      </p:pic>
+      <p:sp>
+        <p:nvSpPr>
+          <p:cNvPr id="21" name="CasellaDiTesto 20">
+            <a:extLst>
+              <a:ext uri="{FF2B5EF4-FFF2-40B4-BE49-F238E27FC236}">
+                <a16:creationId xmlns:a16="http://schemas.microsoft.com/office/drawing/2014/main" id="{4E126C83-A247-4226-A89B-2205A90C2850}"/>
+              </a:ext>
+            </a:extLst>
+          </p:cNvPr>
+          <p:cNvSpPr txBox="1"/>
+          <p:nvPr/>
+        </p:nvSpPr>
+        <p:spPr>
+          <a:xfrm>
+            <a:off x="1940294" y="5314099"/>
+            <a:ext cx="1255667" cy="246221"/>
+          </a:xfrm>
+          <a:prstGeom prst="rect">
+            <a:avLst/>
+          </a:prstGeom>
+        </p:spPr>
+        <p:style>
+          <a:lnRef idx="2">
+            <a:schemeClr val="accent2"/>
+          </a:lnRef>
+          <a:fillRef idx="1">
+            <a:schemeClr val="lt1"/>
+          </a:fillRef>
+          <a:effectRef idx="0">
+            <a:schemeClr val="accent2"/>
+          </a:effectRef>
+          <a:fontRef idx="minor">
+            <a:schemeClr val="dk1"/>
+          </a:fontRef>
+        </p:style>
+        <p:txBody>
+          <a:bodyPr wrap="square" rtlCol="0">
+            <a:spAutoFit/>
+          </a:bodyPr>
+          <a:lstStyle/>
+          <a:p>
+            <a:r>
+              <a:rPr lang="it-IT" sz="1000" dirty="0"/>
+              <a:t>date &gt; 2021-1-31</a:t>
+            </a:r>
+          </a:p>
+        </p:txBody>
+      </p:sp>
+      <p:cxnSp>
+        <p:nvCxnSpPr>
+          <p:cNvPr id="22" name="Connettore curvo 21">
+            <a:extLst>
+              <a:ext uri="{FF2B5EF4-FFF2-40B4-BE49-F238E27FC236}">
+                <a16:creationId xmlns:a16="http://schemas.microsoft.com/office/drawing/2014/main" id="{C5C1108A-F044-432B-85F8-B4D7FD72E668}"/>
+              </a:ext>
+            </a:extLst>
+          </p:cNvPr>
+          <p:cNvCxnSpPr>
+            <a:cxnSpLocks/>
+          </p:cNvCxnSpPr>
+          <p:nvPr/>
+        </p:nvCxnSpPr>
+        <p:spPr>
+          <a:xfrm>
+            <a:off x="3195961" y="5433134"/>
+            <a:ext cx="1473693" cy="74844"/>
+          </a:xfrm>
+          <a:prstGeom prst="curvedConnector3">
+            <a:avLst>
+              <a:gd name="adj1" fmla="val 50000"/>
+            </a:avLst>
+          </a:prstGeom>
+          <a:ln>
+            <a:tailEnd type="triangle"/>
+          </a:ln>
+        </p:spPr>
+        <p:style>
+          <a:lnRef idx="1">
+            <a:schemeClr val="accent2"/>
+          </a:lnRef>
+          <a:fillRef idx="0">
+            <a:schemeClr val="accent2"/>
+          </a:fillRef>
+          <a:effectRef idx="0">
+            <a:schemeClr val="accent2"/>
+          </a:effectRef>
+          <a:fontRef idx="minor">
+            <a:schemeClr val="tx1"/>
+          </a:fontRef>
+        </p:style>
+      </p:cxnSp>
+      <p:sp>
+        <p:nvSpPr>
+          <p:cNvPr id="27" name="CasellaDiTesto 26">
+            <a:extLst>
+              <a:ext uri="{FF2B5EF4-FFF2-40B4-BE49-F238E27FC236}">
+                <a16:creationId xmlns:a16="http://schemas.microsoft.com/office/drawing/2014/main" id="{5E953B3B-3308-4317-A8F5-B50080622FF1}"/>
+              </a:ext>
+            </a:extLst>
+          </p:cNvPr>
+          <p:cNvSpPr txBox="1"/>
+          <p:nvPr/>
+        </p:nvSpPr>
+        <p:spPr>
+          <a:xfrm>
+            <a:off x="5734976" y="4606213"/>
+            <a:ext cx="1242874" cy="707886"/>
+          </a:xfrm>
+          <a:prstGeom prst="rect">
+            <a:avLst/>
+          </a:prstGeom>
+        </p:spPr>
+        <p:style>
+          <a:lnRef idx="2">
+            <a:schemeClr val="accent2"/>
+          </a:lnRef>
+          <a:fillRef idx="1">
+            <a:schemeClr val="lt1"/>
+          </a:fillRef>
+          <a:effectRef idx="0">
+            <a:schemeClr val="accent2"/>
+          </a:effectRef>
+          <a:fontRef idx="minor">
+            <a:schemeClr val="dk1"/>
+          </a:fontRef>
+        </p:style>
+        <p:txBody>
+          <a:bodyPr wrap="square" rtlCol="0">
+            <a:spAutoFit/>
+          </a:bodyPr>
+          <a:lstStyle/>
+          <a:p>
+            <a:r>
+              <a:rPr lang="it-IT" sz="1000" dirty="0"/>
+              <a:t>Numero donne vaccinate per ogni giorno, regione e fascia d’età</a:t>
+            </a:r>
+          </a:p>
+        </p:txBody>
+      </p:sp>
+      <p:cxnSp>
+        <p:nvCxnSpPr>
+          <p:cNvPr id="28" name="Connettore curvo 27">
+            <a:extLst>
+              <a:ext uri="{FF2B5EF4-FFF2-40B4-BE49-F238E27FC236}">
+                <a16:creationId xmlns:a16="http://schemas.microsoft.com/office/drawing/2014/main" id="{A6DD3E92-CB1F-4AB4-9A0B-E9C7963F7C14}"/>
+              </a:ext>
+            </a:extLst>
+          </p:cNvPr>
+          <p:cNvCxnSpPr>
+            <a:cxnSpLocks/>
+            <a:stCxn id="27" idx="0"/>
+          </p:cNvCxnSpPr>
+          <p:nvPr/>
+        </p:nvCxnSpPr>
+        <p:spPr>
+          <a:xfrm rot="16200000" flipV="1">
+            <a:off x="5451541" y="3701341"/>
+            <a:ext cx="1800868" cy="8876"/>
+          </a:xfrm>
+          <a:prstGeom prst="curvedConnector3">
+            <a:avLst>
+              <a:gd name="adj1" fmla="val 50000"/>
+            </a:avLst>
+          </a:prstGeom>
+          <a:ln>
+            <a:tailEnd type="triangle"/>
+          </a:ln>
+        </p:spPr>
+        <p:style>
+          <a:lnRef idx="1">
+            <a:schemeClr val="accent2"/>
+          </a:lnRef>
+          <a:fillRef idx="0">
+            <a:schemeClr val="accent2"/>
+          </a:fillRef>
+          <a:effectRef idx="0">
+            <a:schemeClr val="accent2"/>
+          </a:effectRef>
+          <a:fontRef idx="minor">
+            <a:schemeClr val="tx1"/>
+          </a:fontRef>
+        </p:style>
+      </p:cxnSp>
+      <p:sp>
+        <p:nvSpPr>
+          <p:cNvPr id="31" name="CasellaDiTesto 30">
+            <a:extLst>
+              <a:ext uri="{FF2B5EF4-FFF2-40B4-BE49-F238E27FC236}">
+                <a16:creationId xmlns:a16="http://schemas.microsoft.com/office/drawing/2014/main" id="{453C0F9E-B493-4970-A2DA-11BEF516D1CB}"/>
+              </a:ext>
+            </a:extLst>
+          </p:cNvPr>
+          <p:cNvSpPr txBox="1"/>
+          <p:nvPr/>
+        </p:nvSpPr>
+        <p:spPr>
+          <a:xfrm>
+            <a:off x="6811228" y="5560320"/>
+            <a:ext cx="1242874" cy="246221"/>
+          </a:xfrm>
+          <a:prstGeom prst="rect">
+            <a:avLst/>
+          </a:prstGeom>
+        </p:spPr>
+        <p:style>
+          <a:lnRef idx="2">
+            <a:schemeClr val="accent2"/>
+          </a:lnRef>
+          <a:fillRef idx="1">
+            <a:schemeClr val="lt1"/>
+          </a:fillRef>
+          <a:effectRef idx="0">
+            <a:schemeClr val="accent2"/>
+          </a:effectRef>
+          <a:fontRef idx="minor">
+            <a:schemeClr val="dk1"/>
+          </a:fontRef>
+        </p:style>
+        <p:txBody>
+          <a:bodyPr wrap="square" rtlCol="0">
+            <a:spAutoFit/>
+          </a:bodyPr>
+          <a:lstStyle/>
+          <a:p>
+            <a:r>
+              <a:rPr lang="en-US" sz="1000" dirty="0" err="1"/>
+              <a:t>regressione</a:t>
+            </a:r>
+            <a:r>
+              <a:rPr lang="en-US" sz="1000" dirty="0"/>
+              <a:t> </a:t>
+            </a:r>
+            <a:r>
+              <a:rPr lang="en-US" sz="1000" dirty="0" err="1"/>
+              <a:t>lineare</a:t>
+            </a:r>
+            <a:endParaRPr lang="it-IT" sz="1000" dirty="0"/>
+          </a:p>
+        </p:txBody>
+      </p:sp>
+      <p:cxnSp>
+        <p:nvCxnSpPr>
+          <p:cNvPr id="32" name="Connettore curvo 31">
+            <a:extLst>
+              <a:ext uri="{FF2B5EF4-FFF2-40B4-BE49-F238E27FC236}">
+                <a16:creationId xmlns:a16="http://schemas.microsoft.com/office/drawing/2014/main" id="{1A735198-B03C-4C6B-89C1-B275A34C638D}"/>
+              </a:ext>
+            </a:extLst>
+          </p:cNvPr>
+          <p:cNvCxnSpPr>
+            <a:cxnSpLocks/>
+            <a:stCxn id="31" idx="0"/>
+          </p:cNvCxnSpPr>
+          <p:nvPr/>
+        </p:nvCxnSpPr>
+        <p:spPr>
+          <a:xfrm rot="16200000" flipV="1">
+            <a:off x="6597551" y="4725206"/>
+            <a:ext cx="1627512" cy="42716"/>
+          </a:xfrm>
+          <a:prstGeom prst="curvedConnector3">
+            <a:avLst>
+              <a:gd name="adj1" fmla="val 50000"/>
+            </a:avLst>
+          </a:prstGeom>
+          <a:ln>
+            <a:tailEnd type="triangle"/>
+          </a:ln>
+        </p:spPr>
+        <p:style>
+          <a:lnRef idx="1">
+            <a:schemeClr val="accent2"/>
+          </a:lnRef>
+          <a:fillRef idx="0">
+            <a:schemeClr val="accent2"/>
+          </a:fillRef>
+          <a:effectRef idx="0">
+            <a:schemeClr val="accent2"/>
+          </a:effectRef>
+          <a:fontRef idx="minor">
+            <a:schemeClr val="tx1"/>
+          </a:fontRef>
+        </p:style>
+      </p:cxnSp>
+      <p:sp>
+        <p:nvSpPr>
+          <p:cNvPr id="35" name="CasellaDiTesto 34">
+            <a:extLst>
+              <a:ext uri="{FF2B5EF4-FFF2-40B4-BE49-F238E27FC236}">
+                <a16:creationId xmlns:a16="http://schemas.microsoft.com/office/drawing/2014/main" id="{85125263-2533-4435-9BA8-55DEDDCCA4D0}"/>
+              </a:ext>
+            </a:extLst>
+          </p:cNvPr>
+          <p:cNvSpPr txBox="1"/>
+          <p:nvPr/>
+        </p:nvSpPr>
+        <p:spPr>
+          <a:xfrm>
+            <a:off x="7911348" y="4603666"/>
+            <a:ext cx="954681" cy="553998"/>
+          </a:xfrm>
+          <a:prstGeom prst="rect">
+            <a:avLst/>
+          </a:prstGeom>
+        </p:spPr>
+        <p:style>
+          <a:lnRef idx="2">
+            <a:schemeClr val="accent2"/>
+          </a:lnRef>
+          <a:fillRef idx="1">
+            <a:schemeClr val="lt1"/>
+          </a:fillRef>
+          <a:effectRef idx="0">
+            <a:schemeClr val="accent2"/>
+          </a:effectRef>
+          <a:fontRef idx="minor">
+            <a:schemeClr val="dk1"/>
+          </a:fontRef>
+        </p:style>
+        <p:txBody>
+          <a:bodyPr wrap="square" rtlCol="0">
+            <a:spAutoFit/>
+          </a:bodyPr>
+          <a:lstStyle/>
+          <a:p>
+            <a:r>
+              <a:rPr lang="en-US" sz="1000" dirty="0"/>
+              <a:t>top 5 </a:t>
+            </a:r>
+            <a:r>
+              <a:rPr lang="en-US" sz="1000" dirty="0" err="1"/>
+              <a:t>regioni</a:t>
+            </a:r>
+            <a:r>
+              <a:rPr lang="en-US" sz="1000" dirty="0"/>
+              <a:t> per </a:t>
+            </a:r>
+            <a:r>
+              <a:rPr lang="en-US" sz="1000" dirty="0" err="1"/>
+              <a:t>ogni</a:t>
+            </a:r>
+            <a:r>
+              <a:rPr lang="en-US" sz="1000" dirty="0"/>
+              <a:t> mese, fascia </a:t>
+            </a:r>
+            <a:r>
+              <a:rPr lang="en-US" sz="1000" dirty="0" err="1"/>
+              <a:t>d’età</a:t>
+            </a:r>
+            <a:endParaRPr lang="it-IT" sz="1000" dirty="0"/>
+          </a:p>
+        </p:txBody>
+      </p:sp>
+      <p:cxnSp>
+        <p:nvCxnSpPr>
+          <p:cNvPr id="36" name="Connettore curvo 35">
+            <a:extLst>
+              <a:ext uri="{FF2B5EF4-FFF2-40B4-BE49-F238E27FC236}">
+                <a16:creationId xmlns:a16="http://schemas.microsoft.com/office/drawing/2014/main" id="{74F091D0-2D15-4B52-BA56-FAB4FDC9B5BE}"/>
+              </a:ext>
+            </a:extLst>
+          </p:cNvPr>
+          <p:cNvCxnSpPr>
+            <a:cxnSpLocks/>
+            <a:stCxn id="35" idx="0"/>
+          </p:cNvCxnSpPr>
+          <p:nvPr/>
+        </p:nvCxnSpPr>
+        <p:spPr>
+          <a:xfrm rot="16200000" flipV="1">
+            <a:off x="7960400" y="4175377"/>
+            <a:ext cx="670858" cy="185720"/>
+          </a:xfrm>
+          <a:prstGeom prst="curvedConnector3">
+            <a:avLst>
+              <a:gd name="adj1" fmla="val 50000"/>
+            </a:avLst>
+          </a:prstGeom>
+          <a:ln>
+            <a:tailEnd type="triangle"/>
+          </a:ln>
+        </p:spPr>
+        <p:style>
+          <a:lnRef idx="1">
+            <a:schemeClr val="accent2"/>
+          </a:lnRef>
+          <a:fillRef idx="0">
+            <a:schemeClr val="accent2"/>
+          </a:fillRef>
+          <a:effectRef idx="0">
+            <a:schemeClr val="accent2"/>
+          </a:effectRef>
+          <a:fontRef idx="minor">
+            <a:schemeClr val="tx1"/>
+          </a:fontRef>
+        </p:style>
+      </p:cxnSp>
     </p:spTree>
     <p:extLst>
       <p:ext uri="{BB962C8B-B14F-4D97-AF65-F5344CB8AC3E}">
-        <p14:creationId xmlns:p14="http://schemas.microsoft.com/office/powerpoint/2010/main" val="3182982240"/>
+        <p14:creationId xmlns:p14="http://schemas.microsoft.com/office/powerpoint/2010/main" val="1868810325"/>
       </p:ext>
     </p:extLst>
   </p:cSld>
@@ -10015,75 +10373,158 @@
                 <a:latin typeface="Roboto" panose="02000000000000000000" pitchFamily="2" charset="0"/>
                 <a:ea typeface="Roboto" panose="02000000000000000000" pitchFamily="2" charset="0"/>
               </a:rPr>
-              <a:t>Performance</a:t>
+              <a:t>Implementazione: query 3</a:t>
             </a:r>
           </a:p>
         </p:txBody>
       </p:sp>
-      <p:graphicFrame>
-        <p:nvGraphicFramePr>
-          <p:cNvPr id="7" name="Grafico 6">
-            <a:extLst>
-              <a:ext uri="{FF2B5EF4-FFF2-40B4-BE49-F238E27FC236}">
-                <a16:creationId xmlns:a16="http://schemas.microsoft.com/office/drawing/2014/main" id="{235F5A94-ABB3-4A84-94E4-778A891516F8}"/>
-              </a:ext>
-            </a:extLst>
-          </p:cNvPr>
-          <p:cNvGraphicFramePr>
-            <a:graphicFrameLocks/>
-          </p:cNvGraphicFramePr>
-          <p:nvPr>
-            <p:extLst>
-              <p:ext uri="{D42A27DB-BD31-4B8C-83A1-F6EECF244321}">
-                <p14:modId xmlns:p14="http://schemas.microsoft.com/office/powerpoint/2010/main" val="3158901826"/>
-              </p:ext>
-            </p:extLst>
-          </p:nvPr>
-        </p:nvGraphicFramePr>
-        <p:xfrm>
-          <a:off x="838200" y="2831123"/>
-          <a:ext cx="4572000" cy="2743200"/>
-        </p:xfrm>
-        <a:graphic>
-          <a:graphicData uri="http://schemas.openxmlformats.org/drawingml/2006/chart">
-            <c:chart xmlns:c="http://schemas.openxmlformats.org/drawingml/2006/chart" xmlns:r="http://schemas.openxmlformats.org/officeDocument/2006/relationships" r:id="rId2"/>
-          </a:graphicData>
-        </a:graphic>
-      </p:graphicFrame>
-      <p:graphicFrame>
-        <p:nvGraphicFramePr>
-          <p:cNvPr id="9" name="Grafico 8">
-            <a:extLst>
-              <a:ext uri="{FF2B5EF4-FFF2-40B4-BE49-F238E27FC236}">
-                <a16:creationId xmlns:a16="http://schemas.microsoft.com/office/drawing/2014/main" id="{0404C5FC-5C7F-4C4C-895E-81D4A7CF1994}"/>
-              </a:ext>
-            </a:extLst>
-          </p:cNvPr>
-          <p:cNvGraphicFramePr>
-            <a:graphicFrameLocks/>
-          </p:cNvGraphicFramePr>
-          <p:nvPr>
-            <p:extLst>
-              <p:ext uri="{D42A27DB-BD31-4B8C-83A1-F6EECF244321}">
-                <p14:modId xmlns:p14="http://schemas.microsoft.com/office/powerpoint/2010/main" val="3379058896"/>
-              </p:ext>
-            </p:extLst>
-          </p:nvPr>
-        </p:nvGraphicFramePr>
-        <p:xfrm>
-          <a:off x="6781800" y="2831123"/>
-          <a:ext cx="4572000" cy="2743200"/>
-        </p:xfrm>
-        <a:graphic>
-          <a:graphicData uri="http://schemas.openxmlformats.org/drawingml/2006/chart">
-            <c:chart xmlns:c="http://schemas.openxmlformats.org/drawingml/2006/chart" xmlns:r="http://schemas.openxmlformats.org/officeDocument/2006/relationships" r:id="rId3"/>
-          </a:graphicData>
-        </a:graphic>
-      </p:graphicFrame>
+      <p:pic>
+        <p:nvPicPr>
+          <p:cNvPr id="5" name="Immagine 4" descr="Immagine che contiene testo, segnale&#10;&#10;Descrizione generata automaticamente">
+            <a:extLst>
+              <a:ext uri="{FF2B5EF4-FFF2-40B4-BE49-F238E27FC236}">
+                <a16:creationId xmlns:a16="http://schemas.microsoft.com/office/drawing/2014/main" id="{00EA7266-AD34-4D32-A3DE-C70CF5D3A8EE}"/>
+              </a:ext>
+            </a:extLst>
+          </p:cNvPr>
+          <p:cNvPicPr>
+            <a:picLocks noChangeAspect="1"/>
+          </p:cNvPicPr>
+          <p:nvPr/>
+        </p:nvPicPr>
+        <p:blipFill>
+          <a:blip r:embed="rId2">
+            <a:extLst>
+              <a:ext uri="{28A0092B-C50C-407E-A947-70E740481C1C}">
+                <a14:useLocalDpi xmlns:a14="http://schemas.microsoft.com/office/drawing/2010/main" val="0"/>
+              </a:ext>
+            </a:extLst>
+          </a:blip>
+          <a:stretch>
+            <a:fillRect/>
+          </a:stretch>
+        </p:blipFill>
+        <p:spPr>
+          <a:xfrm>
+            <a:off x="1043811" y="2276475"/>
+            <a:ext cx="1457528" cy="2372056"/>
+          </a:xfrm>
+          <a:prstGeom prst="rect">
+            <a:avLst/>
+          </a:prstGeom>
+        </p:spPr>
+      </p:pic>
+      <p:pic>
+        <p:nvPicPr>
+          <p:cNvPr id="7" name="Immagine 6" descr="Immagine che contiene testo, segnale&#10;&#10;Descrizione generata automaticamente">
+            <a:extLst>
+              <a:ext uri="{FF2B5EF4-FFF2-40B4-BE49-F238E27FC236}">
+                <a16:creationId xmlns:a16="http://schemas.microsoft.com/office/drawing/2014/main" id="{F5BDC6E9-41B5-496E-A644-CF95F9F8DC66}"/>
+              </a:ext>
+            </a:extLst>
+          </p:cNvPr>
+          <p:cNvPicPr>
+            <a:picLocks noChangeAspect="1"/>
+          </p:cNvPicPr>
+          <p:nvPr/>
+        </p:nvPicPr>
+        <p:blipFill>
+          <a:blip r:embed="rId3">
+            <a:extLst>
+              <a:ext uri="{28A0092B-C50C-407E-A947-70E740481C1C}">
+                <a14:useLocalDpi xmlns:a14="http://schemas.microsoft.com/office/drawing/2010/main" val="0"/>
+              </a:ext>
+            </a:extLst>
+          </a:blip>
+          <a:stretch>
+            <a:fillRect/>
+          </a:stretch>
+        </p:blipFill>
+        <p:spPr>
+          <a:xfrm>
+            <a:off x="2680020" y="2276475"/>
+            <a:ext cx="1457528" cy="2362530"/>
+          </a:xfrm>
+          <a:prstGeom prst="rect">
+            <a:avLst/>
+          </a:prstGeom>
+        </p:spPr>
+      </p:pic>
+      <p:pic>
+        <p:nvPicPr>
+          <p:cNvPr id="11" name="Immagine 10">
+            <a:extLst>
+              <a:ext uri="{FF2B5EF4-FFF2-40B4-BE49-F238E27FC236}">
+                <a16:creationId xmlns:a16="http://schemas.microsoft.com/office/drawing/2014/main" id="{A7BD6B5E-2354-4012-B745-6B1FEAC5B6B6}"/>
+              </a:ext>
+            </a:extLst>
+          </p:cNvPr>
+          <p:cNvPicPr>
+            <a:picLocks noChangeAspect="1"/>
+          </p:cNvPicPr>
+          <p:nvPr/>
+        </p:nvPicPr>
+        <p:blipFill>
+          <a:blip r:embed="rId4">
+            <a:extLst>
+              <a:ext uri="{28A0092B-C50C-407E-A947-70E740481C1C}">
+                <a14:useLocalDpi xmlns:a14="http://schemas.microsoft.com/office/drawing/2010/main" val="0"/>
+              </a:ext>
+            </a:extLst>
+          </a:blip>
+          <a:stretch>
+            <a:fillRect/>
+          </a:stretch>
+        </p:blipFill>
+        <p:spPr>
+          <a:xfrm>
+            <a:off x="4316230" y="2280986"/>
+            <a:ext cx="6059412" cy="4211890"/>
+          </a:xfrm>
+          <a:prstGeom prst="rect">
+            <a:avLst/>
+          </a:prstGeom>
+        </p:spPr>
+      </p:pic>
+      <p:sp>
+        <p:nvSpPr>
+          <p:cNvPr id="12" name="CasellaDiTesto 11">
+            <a:extLst>
+              <a:ext uri="{FF2B5EF4-FFF2-40B4-BE49-F238E27FC236}">
+                <a16:creationId xmlns:a16="http://schemas.microsoft.com/office/drawing/2014/main" id="{17C69CAF-C0DC-4225-BE29-58A4C5F21D39}"/>
+              </a:ext>
+            </a:extLst>
+          </p:cNvPr>
+          <p:cNvSpPr txBox="1"/>
+          <p:nvPr/>
+        </p:nvSpPr>
+        <p:spPr>
+          <a:xfrm>
+            <a:off x="10730204" y="3331029"/>
+            <a:ext cx="961053" cy="369332"/>
+          </a:xfrm>
+          <a:prstGeom prst="rect">
+            <a:avLst/>
+          </a:prstGeom>
+          <a:noFill/>
+        </p:spPr>
+        <p:txBody>
+          <a:bodyPr wrap="square" rtlCol="0">
+            <a:spAutoFit/>
+          </a:bodyPr>
+          <a:lstStyle/>
+          <a:p>
+            <a:r>
+              <a:rPr lang="it-IT" dirty="0"/>
+              <a:t>…</a:t>
+            </a:r>
+          </a:p>
+        </p:txBody>
+      </p:sp>
     </p:spTree>
     <p:extLst>
       <p:ext uri="{BB962C8B-B14F-4D97-AF65-F5344CB8AC3E}">
-        <p14:creationId xmlns:p14="http://schemas.microsoft.com/office/powerpoint/2010/main" val="173231426"/>
+        <p14:creationId xmlns:p14="http://schemas.microsoft.com/office/powerpoint/2010/main" val="2529862783"/>
       </p:ext>
     </p:extLst>
   </p:cSld>
@@ -10217,7 +10658,7 @@
                 <a:latin typeface="Roboto" panose="02000000000000000000" pitchFamily="2" charset="0"/>
                 <a:ea typeface="Roboto" panose="02000000000000000000" pitchFamily="2" charset="0"/>
               </a:rPr>
-              <a:t>Conclusioni</a:t>
+              <a:t>Visualizzazione</a:t>
             </a:r>
           </a:p>
         </p:txBody>
@@ -10250,77 +10691,73 @@
           </a:bodyPr>
           <a:lstStyle/>
           <a:p>
+            <a:pPr marL="0" indent="0">
+              <a:buNone/>
+            </a:pPr>
             <a:r>
               <a:rPr lang="it-IT" sz="2600" dirty="0">
                 <a:ea typeface="Roboto" panose="02000000000000000000" pitchFamily="2" charset="0"/>
+                <a:hlinkClick r:id="rId2"/>
               </a:rPr>
-              <a:t>Performance migliori nelle query che non usano Spark SQL</a:t>
-            </a:r>
-          </a:p>
-          <a:p>
-            <a:r>
-              <a:rPr lang="it-IT" sz="2600" dirty="0">
-                <a:ea typeface="Roboto" panose="02000000000000000000" pitchFamily="2" charset="0"/>
-              </a:rPr>
-              <a:t>Performance migliori usando l’algoritmo di K-</a:t>
-            </a:r>
-            <a:r>
-              <a:rPr lang="it-IT" sz="2600" dirty="0" err="1">
-                <a:ea typeface="Roboto" panose="02000000000000000000" pitchFamily="2" charset="0"/>
-              </a:rPr>
-              <a:t>means</a:t>
+              <a:t>https://lisa9601.grafana.net/dashboard/snapshot/j262Lw4iUP8ucMkrC7MvJtbhqX5878qx?orgId=1</a:t>
             </a:r>
             <a:endParaRPr lang="it-IT" sz="2600" dirty="0">
               <a:ea typeface="Roboto" panose="02000000000000000000" pitchFamily="2" charset="0"/>
             </a:endParaRPr>
           </a:p>
-          <a:p>
-            <a:pPr marL="0" indent="0">
-              <a:buNone/>
-            </a:pPr>
-            <a:endParaRPr lang="it-IT" sz="2600" dirty="0">
-              <a:ea typeface="Roboto" panose="02000000000000000000" pitchFamily="2" charset="0"/>
-            </a:endParaRPr>
-          </a:p>
-          <a:p>
-            <a:r>
-              <a:rPr lang="it-IT" sz="2600" dirty="0">
-                <a:ea typeface="Roboto" panose="02000000000000000000" pitchFamily="2" charset="0"/>
-              </a:rPr>
-              <a:t>Performance peggiori all’aumentare del numero di </a:t>
-            </a:r>
-            <a:r>
-              <a:rPr lang="it-IT" sz="2600" dirty="0" err="1">
-                <a:ea typeface="Roboto" panose="02000000000000000000" pitchFamily="2" charset="0"/>
-              </a:rPr>
-              <a:t>spark</a:t>
-            </a:r>
-            <a:r>
-              <a:rPr lang="it-IT" sz="2600" dirty="0">
-                <a:ea typeface="Roboto" panose="02000000000000000000" pitchFamily="2" charset="0"/>
-              </a:rPr>
-              <a:t>-workers</a:t>
-            </a:r>
-          </a:p>
-          <a:p>
-            <a:r>
-              <a:rPr lang="it-IT" sz="2600" dirty="0">
-                <a:ea typeface="Roboto" panose="02000000000000000000" pitchFamily="2" charset="0"/>
-              </a:rPr>
-              <a:t>Performance peggiori all’aumentare del numero k di cluster</a:t>
-            </a:r>
-          </a:p>
-          <a:p>
-            <a:endParaRPr lang="it-IT" sz="2600" dirty="0">
-              <a:ea typeface="Roboto" panose="02000000000000000000" pitchFamily="2" charset="0"/>
-            </a:endParaRPr>
-          </a:p>
         </p:txBody>
       </p:sp>
+      <p:pic>
+        <p:nvPicPr>
+          <p:cNvPr id="1026" name="Picture 2" descr="Grafana: The open observability platform | Grafana Labs">
+            <a:extLst>
+              <a:ext uri="{FF2B5EF4-FFF2-40B4-BE49-F238E27FC236}">
+                <a16:creationId xmlns:a16="http://schemas.microsoft.com/office/drawing/2014/main" id="{8D098286-E30F-492B-B181-1BE0173575B2}"/>
+              </a:ext>
+            </a:extLst>
+          </p:cNvPr>
+          <p:cNvPicPr>
+            <a:picLocks noChangeAspect="1" noChangeArrowheads="1"/>
+          </p:cNvPicPr>
+          <p:nvPr/>
+        </p:nvPicPr>
+        <p:blipFill>
+          <a:blip r:embed="rId3">
+            <a:extLst>
+              <a:ext uri="{28A0092B-C50C-407E-A947-70E740481C1C}">
+                <a14:useLocalDpi xmlns:a14="http://schemas.microsoft.com/office/drawing/2010/main" val="0"/>
+              </a:ext>
+            </a:extLst>
+          </a:blip>
+          <a:srcRect/>
+          <a:stretch>
+            <a:fillRect/>
+          </a:stretch>
+        </p:blipFill>
+        <p:spPr bwMode="auto">
+          <a:xfrm>
+            <a:off x="5528014" y="3351379"/>
+            <a:ext cx="2142293" cy="2322823"/>
+          </a:xfrm>
+          <a:prstGeom prst="rect">
+            <a:avLst/>
+          </a:prstGeom>
+          <a:noFill/>
+          <a:extLst>
+            <a:ext uri="{909E8E84-426E-40DD-AFC4-6F175D3DCCD1}">
+              <a14:hiddenFill xmlns:a14="http://schemas.microsoft.com/office/drawing/2010/main">
+                <a:solidFill>
+                  <a:srgbClr val="FFFFFF"/>
+                </a:solidFill>
+              </a14:hiddenFill>
+            </a:ext>
+          </a:extLst>
+        </p:spPr>
+      </p:pic>
     </p:spTree>
     <p:extLst>
       <p:ext uri="{BB962C8B-B14F-4D97-AF65-F5344CB8AC3E}">
-        <p14:creationId xmlns:p14="http://schemas.microsoft.com/office/powerpoint/2010/main" val="2322064361"/>
+        <p14:creationId xmlns:p14="http://schemas.microsoft.com/office/powerpoint/2010/main" val="3800847479"/>
       </p:ext>
     </p:extLst>
   </p:cSld>
@@ -10330,7 +10767,7 @@
 </p:sld>
 </file>
 
-<file path=ppt/slides/slide2.xml><?xml version="1.0" encoding="utf-8"?>
+<file path=ppt/slides/slide13.xml><?xml version="1.0" encoding="utf-8"?>
 <p:sld xmlns:a="http://schemas.openxmlformats.org/drawingml/2006/main" xmlns:r="http://schemas.openxmlformats.org/officeDocument/2006/relationships" xmlns:p="http://schemas.openxmlformats.org/presentationml/2006/main">
   <p:cSld>
     <p:bg>
@@ -10454,7 +10891,673 @@
                 <a:latin typeface="Roboto" panose="02000000000000000000" pitchFamily="2" charset="0"/>
                 <a:ea typeface="Roboto" panose="02000000000000000000" pitchFamily="2" charset="0"/>
               </a:rPr>
-              <a:t>Indice</a:t>
+              <a:t>Performance</a:t>
+            </a:r>
+          </a:p>
+        </p:txBody>
+      </p:sp>
+      <p:graphicFrame>
+        <p:nvGraphicFramePr>
+          <p:cNvPr id="5" name="Grafico 4">
+            <a:extLst>
+              <a:ext uri="{FF2B5EF4-FFF2-40B4-BE49-F238E27FC236}">
+                <a16:creationId xmlns:a16="http://schemas.microsoft.com/office/drawing/2014/main" id="{5945C572-C56A-4521-BAB4-499D13AC6C89}"/>
+              </a:ext>
+            </a:extLst>
+          </p:cNvPr>
+          <p:cNvGraphicFramePr>
+            <a:graphicFrameLocks/>
+          </p:cNvGraphicFramePr>
+          <p:nvPr>
+            <p:extLst>
+              <p:ext uri="{D42A27DB-BD31-4B8C-83A1-F6EECF244321}">
+                <p14:modId xmlns:p14="http://schemas.microsoft.com/office/powerpoint/2010/main" val="3740852664"/>
+              </p:ext>
+            </p:extLst>
+          </p:nvPr>
+        </p:nvGraphicFramePr>
+        <p:xfrm>
+          <a:off x="838200" y="2690446"/>
+          <a:ext cx="4572000" cy="2743200"/>
+        </p:xfrm>
+        <a:graphic>
+          <a:graphicData uri="http://schemas.openxmlformats.org/drawingml/2006/chart">
+            <c:chart xmlns:c="http://schemas.openxmlformats.org/drawingml/2006/chart" xmlns:r="http://schemas.openxmlformats.org/officeDocument/2006/relationships" r:id="rId2"/>
+          </a:graphicData>
+        </a:graphic>
+      </p:graphicFrame>
+      <p:graphicFrame>
+        <p:nvGraphicFramePr>
+          <p:cNvPr id="6" name="Grafico 5">
+            <a:extLst>
+              <a:ext uri="{FF2B5EF4-FFF2-40B4-BE49-F238E27FC236}">
+                <a16:creationId xmlns:a16="http://schemas.microsoft.com/office/drawing/2014/main" id="{DD6D8255-6CC7-4FB2-8615-183A3FB86879}"/>
+              </a:ext>
+            </a:extLst>
+          </p:cNvPr>
+          <p:cNvGraphicFramePr>
+            <a:graphicFrameLocks/>
+          </p:cNvGraphicFramePr>
+          <p:nvPr>
+            <p:extLst>
+              <p:ext uri="{D42A27DB-BD31-4B8C-83A1-F6EECF244321}">
+                <p14:modId xmlns:p14="http://schemas.microsoft.com/office/powerpoint/2010/main" val="210716265"/>
+              </p:ext>
+            </p:extLst>
+          </p:nvPr>
+        </p:nvGraphicFramePr>
+        <p:xfrm>
+          <a:off x="6781800" y="2690446"/>
+          <a:ext cx="4572000" cy="2743200"/>
+        </p:xfrm>
+        <a:graphic>
+          <a:graphicData uri="http://schemas.openxmlformats.org/drawingml/2006/chart">
+            <c:chart xmlns:c="http://schemas.openxmlformats.org/drawingml/2006/chart" xmlns:r="http://schemas.openxmlformats.org/officeDocument/2006/relationships" r:id="rId3"/>
+          </a:graphicData>
+        </a:graphic>
+      </p:graphicFrame>
+    </p:spTree>
+    <p:extLst>
+      <p:ext uri="{BB962C8B-B14F-4D97-AF65-F5344CB8AC3E}">
+        <p14:creationId xmlns:p14="http://schemas.microsoft.com/office/powerpoint/2010/main" val="3832041402"/>
+      </p:ext>
+    </p:extLst>
+  </p:cSld>
+  <p:clrMapOvr>
+    <a:masterClrMapping/>
+  </p:clrMapOvr>
+</p:sld>
+</file>
+
+<file path=ppt/slides/slide14.xml><?xml version="1.0" encoding="utf-8"?>
+<p:sld xmlns:a="http://schemas.openxmlformats.org/drawingml/2006/main" xmlns:r="http://schemas.openxmlformats.org/officeDocument/2006/relationships" xmlns:p="http://schemas.openxmlformats.org/presentationml/2006/main">
+  <p:cSld>
+    <p:bg>
+      <p:bgPr>
+        <a:solidFill>
+          <a:schemeClr val="bg1"/>
+        </a:solidFill>
+        <a:effectLst/>
+      </p:bgPr>
+    </p:bg>
+    <p:spTree>
+      <p:nvGrpSpPr>
+        <p:cNvPr id="1" name=""/>
+        <p:cNvGrpSpPr/>
+        <p:nvPr/>
+      </p:nvGrpSpPr>
+      <p:grpSpPr>
+        <a:xfrm>
+          <a:off x="0" y="0"/>
+          <a:ext cx="0" cy="0"/>
+          <a:chOff x="0" y="0"/>
+          <a:chExt cx="0" cy="0"/>
+        </a:xfrm>
+      </p:grpSpPr>
+      <p:sp>
+        <p:nvSpPr>
+          <p:cNvPr id="8" name="Rectangle 7">
+            <a:extLst>
+              <a:ext uri="{FF2B5EF4-FFF2-40B4-BE49-F238E27FC236}">
+                <a16:creationId xmlns:a16="http://schemas.microsoft.com/office/drawing/2014/main" id="{DE7FFD28-545C-4C88-A2E7-152FB234C92C}"/>
+              </a:ext>
+              <a:ext uri="{C183D7F6-B498-43B3-948B-1728B52AA6E4}">
+                <adec:decorative xmlns:adec="http://schemas.microsoft.com/office/drawing/2017/decorative" val="1"/>
+              </a:ext>
+            </a:extLst>
+          </p:cNvPr>
+          <p:cNvSpPr>
+            <a:spLocks noGrp="1" noRot="1" noChangeAspect="1" noMove="1" noResize="1" noEditPoints="1" noAdjustHandles="1" noChangeArrowheads="1" noChangeShapeType="1" noTextEdit="1"/>
+          </p:cNvSpPr>
+          <p:nvPr>
+            <p:extLst>
+              <p:ext uri="{386F3935-93C4-4BCD-93E2-E3B085C9AB24}">
+                <p16:designElem xmlns:p16="http://schemas.microsoft.com/office/powerpoint/2015/main" val="1"/>
+              </p:ext>
+            </p:extLst>
+          </p:nvPr>
+        </p:nvSpPr>
+        <p:spPr>
+          <a:xfrm>
+            <a:off x="0" y="0"/>
+            <a:ext cx="12192000" cy="1911350"/>
+          </a:xfrm>
+          <a:prstGeom prst="rect">
+            <a:avLst/>
+          </a:prstGeom>
+          <a:solidFill>
+            <a:schemeClr val="accent5"/>
+          </a:solidFill>
+          <a:ln>
+            <a:noFill/>
+          </a:ln>
+        </p:spPr>
+        <p:style>
+          <a:lnRef idx="2">
+            <a:schemeClr val="accent1">
+              <a:shade val="50000"/>
+            </a:schemeClr>
+          </a:lnRef>
+          <a:fillRef idx="1">
+            <a:schemeClr val="accent1"/>
+          </a:fillRef>
+          <a:effectRef idx="0">
+            <a:schemeClr val="accent1"/>
+          </a:effectRef>
+          <a:fontRef idx="minor">
+            <a:schemeClr val="lt1"/>
+          </a:fontRef>
+        </p:style>
+        <p:txBody>
+          <a:bodyPr rtlCol="0" anchor="ctr"/>
+          <a:lstStyle/>
+          <a:p>
+            <a:pPr algn="ctr"/>
+            <a:endParaRPr lang="en-US"/>
+          </a:p>
+        </p:txBody>
+      </p:sp>
+      <p:sp>
+        <p:nvSpPr>
+          <p:cNvPr id="2" name="Titolo 1">
+            <a:extLst>
+              <a:ext uri="{FF2B5EF4-FFF2-40B4-BE49-F238E27FC236}">
+                <a16:creationId xmlns:a16="http://schemas.microsoft.com/office/drawing/2014/main" id="{CBC0F532-52CD-4915-A3AE-BF3C2E9F0B89}"/>
+              </a:ext>
+            </a:extLst>
+          </p:cNvPr>
+          <p:cNvSpPr>
+            <a:spLocks noGrp="1"/>
+          </p:cNvSpPr>
+          <p:nvPr>
+            <p:ph type="title"/>
+          </p:nvPr>
+        </p:nvSpPr>
+        <p:spPr>
+          <a:xfrm>
+            <a:off x="838200" y="365125"/>
+            <a:ext cx="10515600" cy="1325563"/>
+          </a:xfrm>
+        </p:spPr>
+        <p:txBody>
+          <a:bodyPr>
+            <a:normAutofit/>
+          </a:bodyPr>
+          <a:lstStyle/>
+          <a:p>
+            <a:r>
+              <a:rPr lang="it-IT" sz="4600" dirty="0">
+                <a:solidFill>
+                  <a:srgbClr val="FFFFFF"/>
+                </a:solidFill>
+                <a:latin typeface="Roboto" panose="02000000000000000000" pitchFamily="2" charset="0"/>
+                <a:ea typeface="Roboto" panose="02000000000000000000" pitchFamily="2" charset="0"/>
+              </a:rPr>
+              <a:t>Performance</a:t>
+            </a:r>
+          </a:p>
+        </p:txBody>
+      </p:sp>
+      <p:graphicFrame>
+        <p:nvGraphicFramePr>
+          <p:cNvPr id="7" name="Grafico 6">
+            <a:extLst>
+              <a:ext uri="{FF2B5EF4-FFF2-40B4-BE49-F238E27FC236}">
+                <a16:creationId xmlns:a16="http://schemas.microsoft.com/office/drawing/2014/main" id="{6EF3129B-C43F-42CD-80E6-BB9182FD05DB}"/>
+              </a:ext>
+            </a:extLst>
+          </p:cNvPr>
+          <p:cNvGraphicFramePr>
+            <a:graphicFrameLocks/>
+          </p:cNvGraphicFramePr>
+          <p:nvPr>
+            <p:extLst>
+              <p:ext uri="{D42A27DB-BD31-4B8C-83A1-F6EECF244321}">
+                <p14:modId xmlns:p14="http://schemas.microsoft.com/office/powerpoint/2010/main" val="2574234345"/>
+              </p:ext>
+            </p:extLst>
+          </p:nvPr>
+        </p:nvGraphicFramePr>
+        <p:xfrm>
+          <a:off x="838200" y="2086463"/>
+          <a:ext cx="4132385" cy="2298211"/>
+        </p:xfrm>
+        <a:graphic>
+          <a:graphicData uri="http://schemas.openxmlformats.org/drawingml/2006/chart">
+            <c:chart xmlns:c="http://schemas.openxmlformats.org/drawingml/2006/chart" xmlns:r="http://schemas.openxmlformats.org/officeDocument/2006/relationships" r:id="rId2"/>
+          </a:graphicData>
+        </a:graphic>
+      </p:graphicFrame>
+      <p:graphicFrame>
+        <p:nvGraphicFramePr>
+          <p:cNvPr id="9" name="Grafico 8">
+            <a:extLst>
+              <a:ext uri="{FF2B5EF4-FFF2-40B4-BE49-F238E27FC236}">
+                <a16:creationId xmlns:a16="http://schemas.microsoft.com/office/drawing/2014/main" id="{8E684088-8564-42CA-8AF1-95985DCEB0C2}"/>
+              </a:ext>
+            </a:extLst>
+          </p:cNvPr>
+          <p:cNvGraphicFramePr>
+            <a:graphicFrameLocks/>
+          </p:cNvGraphicFramePr>
+          <p:nvPr>
+            <p:extLst>
+              <p:ext uri="{D42A27DB-BD31-4B8C-83A1-F6EECF244321}">
+                <p14:modId xmlns:p14="http://schemas.microsoft.com/office/powerpoint/2010/main" val="1746160389"/>
+              </p:ext>
+            </p:extLst>
+          </p:nvPr>
+        </p:nvGraphicFramePr>
+        <p:xfrm>
+          <a:off x="6781800" y="2086463"/>
+          <a:ext cx="4132385" cy="2298211"/>
+        </p:xfrm>
+        <a:graphic>
+          <a:graphicData uri="http://schemas.openxmlformats.org/drawingml/2006/chart">
+            <c:chart xmlns:c="http://schemas.openxmlformats.org/drawingml/2006/chart" xmlns:r="http://schemas.openxmlformats.org/officeDocument/2006/relationships" r:id="rId3"/>
+          </a:graphicData>
+        </a:graphic>
+      </p:graphicFrame>
+      <p:graphicFrame>
+        <p:nvGraphicFramePr>
+          <p:cNvPr id="10" name="Grafico 9">
+            <a:extLst>
+              <a:ext uri="{FF2B5EF4-FFF2-40B4-BE49-F238E27FC236}">
+                <a16:creationId xmlns:a16="http://schemas.microsoft.com/office/drawing/2014/main" id="{0425C7D8-5C86-47E9-8284-436CF07E5EB0}"/>
+              </a:ext>
+            </a:extLst>
+          </p:cNvPr>
+          <p:cNvGraphicFramePr>
+            <a:graphicFrameLocks/>
+          </p:cNvGraphicFramePr>
+          <p:nvPr>
+            <p:extLst>
+              <p:ext uri="{D42A27DB-BD31-4B8C-83A1-F6EECF244321}">
+                <p14:modId xmlns:p14="http://schemas.microsoft.com/office/powerpoint/2010/main" val="568237869"/>
+              </p:ext>
+            </p:extLst>
+          </p:nvPr>
+        </p:nvGraphicFramePr>
+        <p:xfrm>
+          <a:off x="838200" y="4548310"/>
+          <a:ext cx="4132385" cy="2298212"/>
+        </p:xfrm>
+        <a:graphic>
+          <a:graphicData uri="http://schemas.openxmlformats.org/drawingml/2006/chart">
+            <c:chart xmlns:c="http://schemas.openxmlformats.org/drawingml/2006/chart" xmlns:r="http://schemas.openxmlformats.org/officeDocument/2006/relationships" r:id="rId4"/>
+          </a:graphicData>
+        </a:graphic>
+      </p:graphicFrame>
+      <p:graphicFrame>
+        <p:nvGraphicFramePr>
+          <p:cNvPr id="11" name="Grafico 10">
+            <a:extLst>
+              <a:ext uri="{FF2B5EF4-FFF2-40B4-BE49-F238E27FC236}">
+                <a16:creationId xmlns:a16="http://schemas.microsoft.com/office/drawing/2014/main" id="{1BBB399D-577C-4BE5-82B3-A57E7220ADEA}"/>
+              </a:ext>
+            </a:extLst>
+          </p:cNvPr>
+          <p:cNvGraphicFramePr>
+            <a:graphicFrameLocks/>
+          </p:cNvGraphicFramePr>
+          <p:nvPr>
+            <p:extLst>
+              <p:ext uri="{D42A27DB-BD31-4B8C-83A1-F6EECF244321}">
+                <p14:modId xmlns:p14="http://schemas.microsoft.com/office/powerpoint/2010/main" val="1136146332"/>
+              </p:ext>
+            </p:extLst>
+          </p:nvPr>
+        </p:nvGraphicFramePr>
+        <p:xfrm>
+          <a:off x="6781800" y="4559787"/>
+          <a:ext cx="4132385" cy="2298213"/>
+        </p:xfrm>
+        <a:graphic>
+          <a:graphicData uri="http://schemas.openxmlformats.org/drawingml/2006/chart">
+            <c:chart xmlns:c="http://schemas.openxmlformats.org/drawingml/2006/chart" xmlns:r="http://schemas.openxmlformats.org/officeDocument/2006/relationships" r:id="rId5"/>
+          </a:graphicData>
+        </a:graphic>
+      </p:graphicFrame>
+    </p:spTree>
+    <p:extLst>
+      <p:ext uri="{BB962C8B-B14F-4D97-AF65-F5344CB8AC3E}">
+        <p14:creationId xmlns:p14="http://schemas.microsoft.com/office/powerpoint/2010/main" val="3182982240"/>
+      </p:ext>
+    </p:extLst>
+  </p:cSld>
+  <p:clrMapOvr>
+    <a:masterClrMapping/>
+  </p:clrMapOvr>
+</p:sld>
+</file>
+
+<file path=ppt/slides/slide15.xml><?xml version="1.0" encoding="utf-8"?>
+<p:sld xmlns:a="http://schemas.openxmlformats.org/drawingml/2006/main" xmlns:r="http://schemas.openxmlformats.org/officeDocument/2006/relationships" xmlns:p="http://schemas.openxmlformats.org/presentationml/2006/main">
+  <p:cSld>
+    <p:bg>
+      <p:bgPr>
+        <a:solidFill>
+          <a:schemeClr val="bg1"/>
+        </a:solidFill>
+        <a:effectLst/>
+      </p:bgPr>
+    </p:bg>
+    <p:spTree>
+      <p:nvGrpSpPr>
+        <p:cNvPr id="1" name=""/>
+        <p:cNvGrpSpPr/>
+        <p:nvPr/>
+      </p:nvGrpSpPr>
+      <p:grpSpPr>
+        <a:xfrm>
+          <a:off x="0" y="0"/>
+          <a:ext cx="0" cy="0"/>
+          <a:chOff x="0" y="0"/>
+          <a:chExt cx="0" cy="0"/>
+        </a:xfrm>
+      </p:grpSpPr>
+      <p:sp>
+        <p:nvSpPr>
+          <p:cNvPr id="8" name="Rectangle 7">
+            <a:extLst>
+              <a:ext uri="{FF2B5EF4-FFF2-40B4-BE49-F238E27FC236}">
+                <a16:creationId xmlns:a16="http://schemas.microsoft.com/office/drawing/2014/main" id="{DE7FFD28-545C-4C88-A2E7-152FB234C92C}"/>
+              </a:ext>
+              <a:ext uri="{C183D7F6-B498-43B3-948B-1728B52AA6E4}">
+                <adec:decorative xmlns:adec="http://schemas.microsoft.com/office/drawing/2017/decorative" val="1"/>
+              </a:ext>
+            </a:extLst>
+          </p:cNvPr>
+          <p:cNvSpPr>
+            <a:spLocks noGrp="1" noRot="1" noChangeAspect="1" noMove="1" noResize="1" noEditPoints="1" noAdjustHandles="1" noChangeArrowheads="1" noChangeShapeType="1" noTextEdit="1"/>
+          </p:cNvSpPr>
+          <p:nvPr>
+            <p:extLst>
+              <p:ext uri="{386F3935-93C4-4BCD-93E2-E3B085C9AB24}">
+                <p16:designElem xmlns:p16="http://schemas.microsoft.com/office/powerpoint/2015/main" val="1"/>
+              </p:ext>
+            </p:extLst>
+          </p:nvPr>
+        </p:nvSpPr>
+        <p:spPr>
+          <a:xfrm>
+            <a:off x="0" y="0"/>
+            <a:ext cx="12192000" cy="1911350"/>
+          </a:xfrm>
+          <a:prstGeom prst="rect">
+            <a:avLst/>
+          </a:prstGeom>
+          <a:solidFill>
+            <a:schemeClr val="accent5"/>
+          </a:solidFill>
+          <a:ln>
+            <a:noFill/>
+          </a:ln>
+        </p:spPr>
+        <p:style>
+          <a:lnRef idx="2">
+            <a:schemeClr val="accent1">
+              <a:shade val="50000"/>
+            </a:schemeClr>
+          </a:lnRef>
+          <a:fillRef idx="1">
+            <a:schemeClr val="accent1"/>
+          </a:fillRef>
+          <a:effectRef idx="0">
+            <a:schemeClr val="accent1"/>
+          </a:effectRef>
+          <a:fontRef idx="minor">
+            <a:schemeClr val="lt1"/>
+          </a:fontRef>
+        </p:style>
+        <p:txBody>
+          <a:bodyPr rtlCol="0" anchor="ctr"/>
+          <a:lstStyle/>
+          <a:p>
+            <a:pPr algn="ctr"/>
+            <a:endParaRPr lang="en-US"/>
+          </a:p>
+        </p:txBody>
+      </p:sp>
+      <p:sp>
+        <p:nvSpPr>
+          <p:cNvPr id="2" name="Titolo 1">
+            <a:extLst>
+              <a:ext uri="{FF2B5EF4-FFF2-40B4-BE49-F238E27FC236}">
+                <a16:creationId xmlns:a16="http://schemas.microsoft.com/office/drawing/2014/main" id="{CBC0F532-52CD-4915-A3AE-BF3C2E9F0B89}"/>
+              </a:ext>
+            </a:extLst>
+          </p:cNvPr>
+          <p:cNvSpPr>
+            <a:spLocks noGrp="1"/>
+          </p:cNvSpPr>
+          <p:nvPr>
+            <p:ph type="title"/>
+          </p:nvPr>
+        </p:nvSpPr>
+        <p:spPr>
+          <a:xfrm>
+            <a:off x="838200" y="365125"/>
+            <a:ext cx="10515600" cy="1325563"/>
+          </a:xfrm>
+        </p:spPr>
+        <p:txBody>
+          <a:bodyPr>
+            <a:normAutofit/>
+          </a:bodyPr>
+          <a:lstStyle/>
+          <a:p>
+            <a:r>
+              <a:rPr lang="it-IT" sz="4600" dirty="0">
+                <a:solidFill>
+                  <a:srgbClr val="FFFFFF"/>
+                </a:solidFill>
+                <a:latin typeface="Roboto" panose="02000000000000000000" pitchFamily="2" charset="0"/>
+                <a:ea typeface="Roboto" panose="02000000000000000000" pitchFamily="2" charset="0"/>
+              </a:rPr>
+              <a:t>Performance</a:t>
+            </a:r>
+          </a:p>
+        </p:txBody>
+      </p:sp>
+      <p:graphicFrame>
+        <p:nvGraphicFramePr>
+          <p:cNvPr id="7" name="Grafico 6">
+            <a:extLst>
+              <a:ext uri="{FF2B5EF4-FFF2-40B4-BE49-F238E27FC236}">
+                <a16:creationId xmlns:a16="http://schemas.microsoft.com/office/drawing/2014/main" id="{235F5A94-ABB3-4A84-94E4-778A891516F8}"/>
+              </a:ext>
+            </a:extLst>
+          </p:cNvPr>
+          <p:cNvGraphicFramePr>
+            <a:graphicFrameLocks/>
+          </p:cNvGraphicFramePr>
+          <p:nvPr>
+            <p:extLst>
+              <p:ext uri="{D42A27DB-BD31-4B8C-83A1-F6EECF244321}">
+                <p14:modId xmlns:p14="http://schemas.microsoft.com/office/powerpoint/2010/main" val="3158901826"/>
+              </p:ext>
+            </p:extLst>
+          </p:nvPr>
+        </p:nvGraphicFramePr>
+        <p:xfrm>
+          <a:off x="838200" y="2831123"/>
+          <a:ext cx="4572000" cy="2743200"/>
+        </p:xfrm>
+        <a:graphic>
+          <a:graphicData uri="http://schemas.openxmlformats.org/drawingml/2006/chart">
+            <c:chart xmlns:c="http://schemas.openxmlformats.org/drawingml/2006/chart" xmlns:r="http://schemas.openxmlformats.org/officeDocument/2006/relationships" r:id="rId2"/>
+          </a:graphicData>
+        </a:graphic>
+      </p:graphicFrame>
+      <p:graphicFrame>
+        <p:nvGraphicFramePr>
+          <p:cNvPr id="9" name="Grafico 8">
+            <a:extLst>
+              <a:ext uri="{FF2B5EF4-FFF2-40B4-BE49-F238E27FC236}">
+                <a16:creationId xmlns:a16="http://schemas.microsoft.com/office/drawing/2014/main" id="{0404C5FC-5C7F-4C4C-895E-81D4A7CF1994}"/>
+              </a:ext>
+            </a:extLst>
+          </p:cNvPr>
+          <p:cNvGraphicFramePr>
+            <a:graphicFrameLocks/>
+          </p:cNvGraphicFramePr>
+          <p:nvPr>
+            <p:extLst>
+              <p:ext uri="{D42A27DB-BD31-4B8C-83A1-F6EECF244321}">
+                <p14:modId xmlns:p14="http://schemas.microsoft.com/office/powerpoint/2010/main" val="3379058896"/>
+              </p:ext>
+            </p:extLst>
+          </p:nvPr>
+        </p:nvGraphicFramePr>
+        <p:xfrm>
+          <a:off x="6781800" y="2831123"/>
+          <a:ext cx="4572000" cy="2743200"/>
+        </p:xfrm>
+        <a:graphic>
+          <a:graphicData uri="http://schemas.openxmlformats.org/drawingml/2006/chart">
+            <c:chart xmlns:c="http://schemas.openxmlformats.org/drawingml/2006/chart" xmlns:r="http://schemas.openxmlformats.org/officeDocument/2006/relationships" r:id="rId3"/>
+          </a:graphicData>
+        </a:graphic>
+      </p:graphicFrame>
+    </p:spTree>
+    <p:extLst>
+      <p:ext uri="{BB962C8B-B14F-4D97-AF65-F5344CB8AC3E}">
+        <p14:creationId xmlns:p14="http://schemas.microsoft.com/office/powerpoint/2010/main" val="173231426"/>
+      </p:ext>
+    </p:extLst>
+  </p:cSld>
+  <p:clrMapOvr>
+    <a:masterClrMapping/>
+  </p:clrMapOvr>
+</p:sld>
+</file>
+
+<file path=ppt/slides/slide16.xml><?xml version="1.0" encoding="utf-8"?>
+<p:sld xmlns:a="http://schemas.openxmlformats.org/drawingml/2006/main" xmlns:r="http://schemas.openxmlformats.org/officeDocument/2006/relationships" xmlns:p="http://schemas.openxmlformats.org/presentationml/2006/main">
+  <p:cSld>
+    <p:bg>
+      <p:bgPr>
+        <a:solidFill>
+          <a:schemeClr val="bg1"/>
+        </a:solidFill>
+        <a:effectLst/>
+      </p:bgPr>
+    </p:bg>
+    <p:spTree>
+      <p:nvGrpSpPr>
+        <p:cNvPr id="1" name=""/>
+        <p:cNvGrpSpPr/>
+        <p:nvPr/>
+      </p:nvGrpSpPr>
+      <p:grpSpPr>
+        <a:xfrm>
+          <a:off x="0" y="0"/>
+          <a:ext cx="0" cy="0"/>
+          <a:chOff x="0" y="0"/>
+          <a:chExt cx="0" cy="0"/>
+        </a:xfrm>
+      </p:grpSpPr>
+      <p:sp>
+        <p:nvSpPr>
+          <p:cNvPr id="8" name="Rectangle 7">
+            <a:extLst>
+              <a:ext uri="{FF2B5EF4-FFF2-40B4-BE49-F238E27FC236}">
+                <a16:creationId xmlns:a16="http://schemas.microsoft.com/office/drawing/2014/main" id="{DE7FFD28-545C-4C88-A2E7-152FB234C92C}"/>
+              </a:ext>
+              <a:ext uri="{C183D7F6-B498-43B3-948B-1728B52AA6E4}">
+                <adec:decorative xmlns:adec="http://schemas.microsoft.com/office/drawing/2017/decorative" val="1"/>
+              </a:ext>
+            </a:extLst>
+          </p:cNvPr>
+          <p:cNvSpPr>
+            <a:spLocks noGrp="1" noRot="1" noChangeAspect="1" noMove="1" noResize="1" noEditPoints="1" noAdjustHandles="1" noChangeArrowheads="1" noChangeShapeType="1" noTextEdit="1"/>
+          </p:cNvSpPr>
+          <p:nvPr>
+            <p:extLst>
+              <p:ext uri="{386F3935-93C4-4BCD-93E2-E3B085C9AB24}">
+                <p16:designElem xmlns:p16="http://schemas.microsoft.com/office/powerpoint/2015/main" val="1"/>
+              </p:ext>
+            </p:extLst>
+          </p:nvPr>
+        </p:nvSpPr>
+        <p:spPr>
+          <a:xfrm>
+            <a:off x="0" y="0"/>
+            <a:ext cx="12192000" cy="1911350"/>
+          </a:xfrm>
+          <a:prstGeom prst="rect">
+            <a:avLst/>
+          </a:prstGeom>
+          <a:solidFill>
+            <a:schemeClr val="accent5"/>
+          </a:solidFill>
+          <a:ln>
+            <a:noFill/>
+          </a:ln>
+        </p:spPr>
+        <p:style>
+          <a:lnRef idx="2">
+            <a:schemeClr val="accent1">
+              <a:shade val="50000"/>
+            </a:schemeClr>
+          </a:lnRef>
+          <a:fillRef idx="1">
+            <a:schemeClr val="accent1"/>
+          </a:fillRef>
+          <a:effectRef idx="0">
+            <a:schemeClr val="accent1"/>
+          </a:effectRef>
+          <a:fontRef idx="minor">
+            <a:schemeClr val="lt1"/>
+          </a:fontRef>
+        </p:style>
+        <p:txBody>
+          <a:bodyPr rtlCol="0" anchor="ctr"/>
+          <a:lstStyle/>
+          <a:p>
+            <a:pPr algn="ctr"/>
+            <a:endParaRPr lang="en-US"/>
+          </a:p>
+        </p:txBody>
+      </p:sp>
+      <p:sp>
+        <p:nvSpPr>
+          <p:cNvPr id="2" name="Titolo 1">
+            <a:extLst>
+              <a:ext uri="{FF2B5EF4-FFF2-40B4-BE49-F238E27FC236}">
+                <a16:creationId xmlns:a16="http://schemas.microsoft.com/office/drawing/2014/main" id="{CBC0F532-52CD-4915-A3AE-BF3C2E9F0B89}"/>
+              </a:ext>
+            </a:extLst>
+          </p:cNvPr>
+          <p:cNvSpPr>
+            <a:spLocks noGrp="1"/>
+          </p:cNvSpPr>
+          <p:nvPr>
+            <p:ph type="title"/>
+          </p:nvPr>
+        </p:nvSpPr>
+        <p:spPr>
+          <a:xfrm>
+            <a:off x="838200" y="365125"/>
+            <a:ext cx="10515600" cy="1325563"/>
+          </a:xfrm>
+        </p:spPr>
+        <p:txBody>
+          <a:bodyPr>
+            <a:normAutofit/>
+          </a:bodyPr>
+          <a:lstStyle/>
+          <a:p>
+            <a:r>
+              <a:rPr lang="it-IT" sz="4600" dirty="0">
+                <a:solidFill>
+                  <a:srgbClr val="FFFFFF"/>
+                </a:solidFill>
+                <a:latin typeface="Roboto" panose="02000000000000000000" pitchFamily="2" charset="0"/>
+                <a:ea typeface="Roboto" panose="02000000000000000000" pitchFamily="2" charset="0"/>
+              </a:rPr>
+              <a:t>Conclusioni</a:t>
             </a:r>
           </a:p>
         </p:txBody>
@@ -10491,6 +11594,243 @@
               <a:rPr lang="it-IT" sz="2600" dirty="0">
                 <a:ea typeface="Roboto" panose="02000000000000000000" pitchFamily="2" charset="0"/>
               </a:rPr>
+              <a:t>Performance migliori nelle query che non usano Spark SQL</a:t>
+            </a:r>
+          </a:p>
+          <a:p>
+            <a:r>
+              <a:rPr lang="it-IT" sz="2600" dirty="0">
+                <a:ea typeface="Roboto" panose="02000000000000000000" pitchFamily="2" charset="0"/>
+              </a:rPr>
+              <a:t>Performance migliori usando l’algoritmo di K-</a:t>
+            </a:r>
+            <a:r>
+              <a:rPr lang="it-IT" sz="2600" dirty="0" err="1">
+                <a:ea typeface="Roboto" panose="02000000000000000000" pitchFamily="2" charset="0"/>
+              </a:rPr>
+              <a:t>means</a:t>
+            </a:r>
+            <a:endParaRPr lang="it-IT" sz="2600" dirty="0">
+              <a:ea typeface="Roboto" panose="02000000000000000000" pitchFamily="2" charset="0"/>
+            </a:endParaRPr>
+          </a:p>
+          <a:p>
+            <a:pPr marL="0" indent="0">
+              <a:buNone/>
+            </a:pPr>
+            <a:endParaRPr lang="it-IT" sz="2600" dirty="0">
+              <a:ea typeface="Roboto" panose="02000000000000000000" pitchFamily="2" charset="0"/>
+            </a:endParaRPr>
+          </a:p>
+          <a:p>
+            <a:r>
+              <a:rPr lang="it-IT" sz="2600" dirty="0">
+                <a:ea typeface="Roboto" panose="02000000000000000000" pitchFamily="2" charset="0"/>
+              </a:rPr>
+              <a:t>Performance peggiori all’aumentare del numero di </a:t>
+            </a:r>
+            <a:r>
+              <a:rPr lang="it-IT" sz="2600" dirty="0" err="1">
+                <a:ea typeface="Roboto" panose="02000000000000000000" pitchFamily="2" charset="0"/>
+              </a:rPr>
+              <a:t>spark</a:t>
+            </a:r>
+            <a:r>
+              <a:rPr lang="it-IT" sz="2600" dirty="0">
+                <a:ea typeface="Roboto" panose="02000000000000000000" pitchFamily="2" charset="0"/>
+              </a:rPr>
+              <a:t>-workers</a:t>
+            </a:r>
+          </a:p>
+          <a:p>
+            <a:r>
+              <a:rPr lang="it-IT" sz="2600" dirty="0">
+                <a:ea typeface="Roboto" panose="02000000000000000000" pitchFamily="2" charset="0"/>
+              </a:rPr>
+              <a:t>Performance peggiori all’aumentare del numero k di cluster</a:t>
+            </a:r>
+          </a:p>
+          <a:p>
+            <a:endParaRPr lang="it-IT" sz="2600" dirty="0">
+              <a:ea typeface="Roboto" panose="02000000000000000000" pitchFamily="2" charset="0"/>
+            </a:endParaRPr>
+          </a:p>
+        </p:txBody>
+      </p:sp>
+    </p:spTree>
+    <p:extLst>
+      <p:ext uri="{BB962C8B-B14F-4D97-AF65-F5344CB8AC3E}">
+        <p14:creationId xmlns:p14="http://schemas.microsoft.com/office/powerpoint/2010/main" val="2322064361"/>
+      </p:ext>
+    </p:extLst>
+  </p:cSld>
+  <p:clrMapOvr>
+    <a:masterClrMapping/>
+  </p:clrMapOvr>
+</p:sld>
+</file>
+
+<file path=ppt/slides/slide2.xml><?xml version="1.0" encoding="utf-8"?>
+<p:sld xmlns:a="http://schemas.openxmlformats.org/drawingml/2006/main" xmlns:r="http://schemas.openxmlformats.org/officeDocument/2006/relationships" xmlns:p="http://schemas.openxmlformats.org/presentationml/2006/main">
+  <p:cSld>
+    <p:bg>
+      <p:bgPr>
+        <a:solidFill>
+          <a:schemeClr val="bg1"/>
+        </a:solidFill>
+        <a:effectLst/>
+      </p:bgPr>
+    </p:bg>
+    <p:spTree>
+      <p:nvGrpSpPr>
+        <p:cNvPr id="1" name=""/>
+        <p:cNvGrpSpPr/>
+        <p:nvPr/>
+      </p:nvGrpSpPr>
+      <p:grpSpPr>
+        <a:xfrm>
+          <a:off x="0" y="0"/>
+          <a:ext cx="0" cy="0"/>
+          <a:chOff x="0" y="0"/>
+          <a:chExt cx="0" cy="0"/>
+        </a:xfrm>
+      </p:grpSpPr>
+      <p:sp>
+        <p:nvSpPr>
+          <p:cNvPr id="8" name="Rectangle 7">
+            <a:extLst>
+              <a:ext uri="{FF2B5EF4-FFF2-40B4-BE49-F238E27FC236}">
+                <a16:creationId xmlns:a16="http://schemas.microsoft.com/office/drawing/2014/main" id="{DE7FFD28-545C-4C88-A2E7-152FB234C92C}"/>
+              </a:ext>
+              <a:ext uri="{C183D7F6-B498-43B3-948B-1728B52AA6E4}">
+                <adec:decorative xmlns:adec="http://schemas.microsoft.com/office/drawing/2017/decorative" val="1"/>
+              </a:ext>
+            </a:extLst>
+          </p:cNvPr>
+          <p:cNvSpPr>
+            <a:spLocks noGrp="1" noRot="1" noChangeAspect="1" noMove="1" noResize="1" noEditPoints="1" noAdjustHandles="1" noChangeArrowheads="1" noChangeShapeType="1" noTextEdit="1"/>
+          </p:cNvSpPr>
+          <p:nvPr>
+            <p:extLst>
+              <p:ext uri="{386F3935-93C4-4BCD-93E2-E3B085C9AB24}">
+                <p16:designElem xmlns:p16="http://schemas.microsoft.com/office/powerpoint/2015/main" val="1"/>
+              </p:ext>
+            </p:extLst>
+          </p:nvPr>
+        </p:nvSpPr>
+        <p:spPr>
+          <a:xfrm>
+            <a:off x="0" y="0"/>
+            <a:ext cx="12192000" cy="1911350"/>
+          </a:xfrm>
+          <a:prstGeom prst="rect">
+            <a:avLst/>
+          </a:prstGeom>
+          <a:solidFill>
+            <a:schemeClr val="accent5"/>
+          </a:solidFill>
+          <a:ln>
+            <a:noFill/>
+          </a:ln>
+        </p:spPr>
+        <p:style>
+          <a:lnRef idx="2">
+            <a:schemeClr val="accent1">
+              <a:shade val="50000"/>
+            </a:schemeClr>
+          </a:lnRef>
+          <a:fillRef idx="1">
+            <a:schemeClr val="accent1"/>
+          </a:fillRef>
+          <a:effectRef idx="0">
+            <a:schemeClr val="accent1"/>
+          </a:effectRef>
+          <a:fontRef idx="minor">
+            <a:schemeClr val="lt1"/>
+          </a:fontRef>
+        </p:style>
+        <p:txBody>
+          <a:bodyPr rtlCol="0" anchor="ctr"/>
+          <a:lstStyle/>
+          <a:p>
+            <a:pPr algn="ctr"/>
+            <a:endParaRPr lang="en-US"/>
+          </a:p>
+        </p:txBody>
+      </p:sp>
+      <p:sp>
+        <p:nvSpPr>
+          <p:cNvPr id="2" name="Titolo 1">
+            <a:extLst>
+              <a:ext uri="{FF2B5EF4-FFF2-40B4-BE49-F238E27FC236}">
+                <a16:creationId xmlns:a16="http://schemas.microsoft.com/office/drawing/2014/main" id="{CBC0F532-52CD-4915-A3AE-BF3C2E9F0B89}"/>
+              </a:ext>
+            </a:extLst>
+          </p:cNvPr>
+          <p:cNvSpPr>
+            <a:spLocks noGrp="1"/>
+          </p:cNvSpPr>
+          <p:nvPr>
+            <p:ph type="title"/>
+          </p:nvPr>
+        </p:nvSpPr>
+        <p:spPr>
+          <a:xfrm>
+            <a:off x="838200" y="365125"/>
+            <a:ext cx="10515600" cy="1325563"/>
+          </a:xfrm>
+        </p:spPr>
+        <p:txBody>
+          <a:bodyPr>
+            <a:normAutofit/>
+          </a:bodyPr>
+          <a:lstStyle/>
+          <a:p>
+            <a:r>
+              <a:rPr lang="it-IT" sz="4600" dirty="0">
+                <a:solidFill>
+                  <a:srgbClr val="FFFFFF"/>
+                </a:solidFill>
+                <a:latin typeface="Roboto" panose="02000000000000000000" pitchFamily="2" charset="0"/>
+                <a:ea typeface="Roboto" panose="02000000000000000000" pitchFamily="2" charset="0"/>
+              </a:rPr>
+              <a:t>Indice</a:t>
+            </a:r>
+          </a:p>
+        </p:txBody>
+      </p:sp>
+      <p:sp>
+        <p:nvSpPr>
+          <p:cNvPr id="3" name="Segnaposto contenuto 2">
+            <a:extLst>
+              <a:ext uri="{FF2B5EF4-FFF2-40B4-BE49-F238E27FC236}">
+                <a16:creationId xmlns:a16="http://schemas.microsoft.com/office/drawing/2014/main" id="{0A14951D-6A54-4ED4-962E-B3487F5D03B0}"/>
+              </a:ext>
+            </a:extLst>
+          </p:cNvPr>
+          <p:cNvSpPr>
+            <a:spLocks noGrp="1"/>
+          </p:cNvSpPr>
+          <p:nvPr>
+            <p:ph idx="1"/>
+          </p:nvPr>
+        </p:nvSpPr>
+        <p:spPr>
+          <a:xfrm>
+            <a:off x="838200" y="2438400"/>
+            <a:ext cx="10515600" cy="3738562"/>
+          </a:xfrm>
+        </p:spPr>
+        <p:txBody>
+          <a:bodyPr>
+            <a:normAutofit/>
+          </a:bodyPr>
+          <a:lstStyle/>
+          <a:p>
+            <a:r>
+              <a:rPr lang="it-IT" sz="2600" dirty="0">
+                <a:ea typeface="Roboto" panose="02000000000000000000" pitchFamily="2" charset="0"/>
+              </a:rPr>
               <a:t>Introduzione</a:t>
             </a:r>
           </a:p>
@@ -10508,6 +11848,14 @@
                 <a:ea typeface="Roboto" panose="02000000000000000000" pitchFamily="2" charset="0"/>
               </a:rPr>
               <a:t>Implementazione</a:t>
+            </a:r>
+          </a:p>
+          <a:p>
+            <a:r>
+              <a:rPr lang="it-IT" sz="2600" dirty="0">
+                <a:ea typeface="Roboto" panose="02000000000000000000" pitchFamily="2" charset="0"/>
+              </a:rPr>
+              <a:t>Visualizzazione</a:t>
             </a:r>
           </a:p>
           <a:p>
@@ -12148,75 +13496,666 @@
                 <a:latin typeface="Roboto" panose="02000000000000000000" pitchFamily="2" charset="0"/>
                 <a:ea typeface="Roboto" panose="02000000000000000000" pitchFamily="2" charset="0"/>
               </a:rPr>
-              <a:t>Performance</a:t>
+              <a:t>Implementazione: query 1</a:t>
             </a:r>
           </a:p>
         </p:txBody>
       </p:sp>
-      <p:graphicFrame>
-        <p:nvGraphicFramePr>
-          <p:cNvPr id="5" name="Grafico 4">
-            <a:extLst>
-              <a:ext uri="{FF2B5EF4-FFF2-40B4-BE49-F238E27FC236}">
-                <a16:creationId xmlns:a16="http://schemas.microsoft.com/office/drawing/2014/main" id="{5945C572-C56A-4521-BAB4-499D13AC6C89}"/>
-              </a:ext>
-            </a:extLst>
-          </p:cNvPr>
-          <p:cNvGraphicFramePr>
-            <a:graphicFrameLocks/>
-          </p:cNvGraphicFramePr>
-          <p:nvPr>
-            <p:extLst>
-              <p:ext uri="{D42A27DB-BD31-4B8C-83A1-F6EECF244321}">
-                <p14:modId xmlns:p14="http://schemas.microsoft.com/office/powerpoint/2010/main" val="3740852664"/>
-              </p:ext>
-            </p:extLst>
-          </p:nvPr>
-        </p:nvGraphicFramePr>
-        <p:xfrm>
-          <a:off x="838200" y="2690446"/>
-          <a:ext cx="4572000" cy="2743200"/>
-        </p:xfrm>
-        <a:graphic>
-          <a:graphicData uri="http://schemas.openxmlformats.org/drawingml/2006/chart">
-            <c:chart xmlns:c="http://schemas.openxmlformats.org/drawingml/2006/chart" xmlns:r="http://schemas.openxmlformats.org/officeDocument/2006/relationships" r:id="rId2"/>
-          </a:graphicData>
-        </a:graphic>
-      </p:graphicFrame>
-      <p:graphicFrame>
-        <p:nvGraphicFramePr>
-          <p:cNvPr id="6" name="Grafico 5">
-            <a:extLst>
-              <a:ext uri="{FF2B5EF4-FFF2-40B4-BE49-F238E27FC236}">
-                <a16:creationId xmlns:a16="http://schemas.microsoft.com/office/drawing/2014/main" id="{DD6D8255-6CC7-4FB2-8615-183A3FB86879}"/>
-              </a:ext>
-            </a:extLst>
-          </p:cNvPr>
-          <p:cNvGraphicFramePr>
-            <a:graphicFrameLocks/>
-          </p:cNvGraphicFramePr>
-          <p:nvPr>
-            <p:extLst>
-              <p:ext uri="{D42A27DB-BD31-4B8C-83A1-F6EECF244321}">
-                <p14:modId xmlns:p14="http://schemas.microsoft.com/office/powerpoint/2010/main" val="210716265"/>
-              </p:ext>
-            </p:extLst>
-          </p:nvPr>
-        </p:nvGraphicFramePr>
-        <p:xfrm>
-          <a:off x="6781800" y="2690446"/>
-          <a:ext cx="4572000" cy="2743200"/>
-        </p:xfrm>
-        <a:graphic>
-          <a:graphicData uri="http://schemas.openxmlformats.org/drawingml/2006/chart">
-            <c:chart xmlns:c="http://schemas.openxmlformats.org/drawingml/2006/chart" xmlns:r="http://schemas.openxmlformats.org/officeDocument/2006/relationships" r:id="rId3"/>
-          </a:graphicData>
-        </a:graphic>
-      </p:graphicFrame>
+      <p:pic>
+        <p:nvPicPr>
+          <p:cNvPr id="5" name="Immagine 4" descr="Immagine che contiene testo, segnale&#10;&#10;Descrizione generata automaticamente">
+            <a:extLst>
+              <a:ext uri="{FF2B5EF4-FFF2-40B4-BE49-F238E27FC236}">
+                <a16:creationId xmlns:a16="http://schemas.microsoft.com/office/drawing/2014/main" id="{0204E907-B7C2-44C6-93E0-BA9196AAA7F4}"/>
+              </a:ext>
+            </a:extLst>
+          </p:cNvPr>
+          <p:cNvPicPr>
+            <a:picLocks noChangeAspect="1"/>
+          </p:cNvPicPr>
+          <p:nvPr/>
+        </p:nvPicPr>
+        <p:blipFill>
+          <a:blip r:embed="rId2">
+            <a:extLst>
+              <a:ext uri="{28A0092B-C50C-407E-A947-70E740481C1C}">
+                <a14:useLocalDpi xmlns:a14="http://schemas.microsoft.com/office/drawing/2010/main" val="0"/>
+              </a:ext>
+            </a:extLst>
+          </a:blip>
+          <a:stretch>
+            <a:fillRect/>
+          </a:stretch>
+        </p:blipFill>
+        <p:spPr>
+          <a:xfrm>
+            <a:off x="1211062" y="2300291"/>
+            <a:ext cx="1495634" cy="2419688"/>
+          </a:xfrm>
+          <a:prstGeom prst="rect">
+            <a:avLst/>
+          </a:prstGeom>
+        </p:spPr>
+      </p:pic>
+      <p:pic>
+        <p:nvPicPr>
+          <p:cNvPr id="7" name="Immagine 6">
+            <a:extLst>
+              <a:ext uri="{FF2B5EF4-FFF2-40B4-BE49-F238E27FC236}">
+                <a16:creationId xmlns:a16="http://schemas.microsoft.com/office/drawing/2014/main" id="{EDDD49C0-1819-48FB-9DAB-F8E4FAD1FB52}"/>
+              </a:ext>
+            </a:extLst>
+          </p:cNvPr>
+          <p:cNvPicPr>
+            <a:picLocks noChangeAspect="1"/>
+          </p:cNvPicPr>
+          <p:nvPr/>
+        </p:nvPicPr>
+        <p:blipFill>
+          <a:blip r:embed="rId3">
+            <a:extLst>
+              <a:ext uri="{28A0092B-C50C-407E-A947-70E740481C1C}">
+                <a14:useLocalDpi xmlns:a14="http://schemas.microsoft.com/office/drawing/2010/main" val="0"/>
+              </a:ext>
+            </a:extLst>
+          </a:blip>
+          <a:stretch>
+            <a:fillRect/>
+          </a:stretch>
+        </p:blipFill>
+        <p:spPr>
+          <a:xfrm>
+            <a:off x="2894247" y="2324107"/>
+            <a:ext cx="1476581" cy="2372056"/>
+          </a:xfrm>
+          <a:prstGeom prst="rect">
+            <a:avLst/>
+          </a:prstGeom>
+        </p:spPr>
+      </p:pic>
+      <p:pic>
+        <p:nvPicPr>
+          <p:cNvPr id="10" name="Immagine 9">
+            <a:extLst>
+              <a:ext uri="{FF2B5EF4-FFF2-40B4-BE49-F238E27FC236}">
+                <a16:creationId xmlns:a16="http://schemas.microsoft.com/office/drawing/2014/main" id="{F17E3C46-4676-4715-8B31-EC9EF1C3931E}"/>
+              </a:ext>
+            </a:extLst>
+          </p:cNvPr>
+          <p:cNvPicPr>
+            <a:picLocks noChangeAspect="1"/>
+          </p:cNvPicPr>
+          <p:nvPr/>
+        </p:nvPicPr>
+        <p:blipFill>
+          <a:blip r:embed="rId4">
+            <a:extLst>
+              <a:ext uri="{28A0092B-C50C-407E-A947-70E740481C1C}">
+                <a14:useLocalDpi xmlns:a14="http://schemas.microsoft.com/office/drawing/2010/main" val="0"/>
+              </a:ext>
+            </a:extLst>
+          </a:blip>
+          <a:stretch>
+            <a:fillRect/>
+          </a:stretch>
+        </p:blipFill>
+        <p:spPr>
+          <a:xfrm>
+            <a:off x="4558379" y="2324107"/>
+            <a:ext cx="5996024" cy="4168768"/>
+          </a:xfrm>
+          <a:prstGeom prst="rect">
+            <a:avLst/>
+          </a:prstGeom>
+        </p:spPr>
+      </p:pic>
+      <p:sp>
+        <p:nvSpPr>
+          <p:cNvPr id="13" name="CasellaDiTesto 12">
+            <a:extLst>
+              <a:ext uri="{FF2B5EF4-FFF2-40B4-BE49-F238E27FC236}">
+                <a16:creationId xmlns:a16="http://schemas.microsoft.com/office/drawing/2014/main" id="{5C1AE219-2ECB-4E04-8DEF-8AC788FF6F51}"/>
+              </a:ext>
+            </a:extLst>
+          </p:cNvPr>
+          <p:cNvSpPr txBox="1"/>
+          <p:nvPr/>
+        </p:nvSpPr>
+        <p:spPr>
+          <a:xfrm>
+            <a:off x="2254368" y="4946651"/>
+            <a:ext cx="1495634" cy="400110"/>
+          </a:xfrm>
+          <a:prstGeom prst="rect">
+            <a:avLst/>
+          </a:prstGeom>
+        </p:spPr>
+        <p:style>
+          <a:lnRef idx="2">
+            <a:schemeClr val="accent2"/>
+          </a:lnRef>
+          <a:fillRef idx="1">
+            <a:schemeClr val="lt1"/>
+          </a:fillRef>
+          <a:effectRef idx="0">
+            <a:schemeClr val="accent2"/>
+          </a:effectRef>
+          <a:fontRef idx="minor">
+            <a:schemeClr val="dk1"/>
+          </a:fontRef>
+        </p:style>
+        <p:txBody>
+          <a:bodyPr wrap="square" rtlCol="0">
+            <a:spAutoFit/>
+          </a:bodyPr>
+          <a:lstStyle/>
+          <a:p>
+            <a:r>
+              <a:rPr lang="it-IT" sz="1000" dirty="0"/>
+              <a:t>data somministrazione &gt; 2020-21-31</a:t>
+            </a:r>
+          </a:p>
+        </p:txBody>
+      </p:sp>
+      <p:cxnSp>
+        <p:nvCxnSpPr>
+          <p:cNvPr id="15" name="Connettore curvo 14">
+            <a:extLst>
+              <a:ext uri="{FF2B5EF4-FFF2-40B4-BE49-F238E27FC236}">
+                <a16:creationId xmlns:a16="http://schemas.microsoft.com/office/drawing/2014/main" id="{77C519AE-7555-4F2E-A859-AE82E35EDA83}"/>
+              </a:ext>
+            </a:extLst>
+          </p:cNvPr>
+          <p:cNvCxnSpPr>
+            <a:cxnSpLocks/>
+            <a:stCxn id="13" idx="3"/>
+          </p:cNvCxnSpPr>
+          <p:nvPr/>
+        </p:nvCxnSpPr>
+        <p:spPr>
+          <a:xfrm>
+            <a:off x="3750002" y="5146706"/>
+            <a:ext cx="808377" cy="457504"/>
+          </a:xfrm>
+          <a:prstGeom prst="curvedConnector3">
+            <a:avLst>
+              <a:gd name="adj1" fmla="val 50000"/>
+            </a:avLst>
+          </a:prstGeom>
+          <a:ln>
+            <a:tailEnd type="triangle"/>
+          </a:ln>
+        </p:spPr>
+        <p:style>
+          <a:lnRef idx="1">
+            <a:schemeClr val="accent2"/>
+          </a:lnRef>
+          <a:fillRef idx="0">
+            <a:schemeClr val="accent2"/>
+          </a:fillRef>
+          <a:effectRef idx="0">
+            <a:schemeClr val="accent2"/>
+          </a:effectRef>
+          <a:fontRef idx="minor">
+            <a:schemeClr val="tx1"/>
+          </a:fontRef>
+        </p:style>
+      </p:cxnSp>
+      <p:sp>
+        <p:nvSpPr>
+          <p:cNvPr id="22" name="CasellaDiTesto 21">
+            <a:extLst>
+              <a:ext uri="{FF2B5EF4-FFF2-40B4-BE49-F238E27FC236}">
+                <a16:creationId xmlns:a16="http://schemas.microsoft.com/office/drawing/2014/main" id="{3C5B58B5-C77B-4164-80D5-79428C8F12BB}"/>
+              </a:ext>
+            </a:extLst>
+          </p:cNvPr>
+          <p:cNvSpPr txBox="1"/>
+          <p:nvPr/>
+        </p:nvSpPr>
+        <p:spPr>
+          <a:xfrm>
+            <a:off x="5881125" y="4054548"/>
+            <a:ext cx="954681" cy="707886"/>
+          </a:xfrm>
+          <a:prstGeom prst="rect">
+            <a:avLst/>
+          </a:prstGeom>
+        </p:spPr>
+        <p:style>
+          <a:lnRef idx="2">
+            <a:schemeClr val="accent2"/>
+          </a:lnRef>
+          <a:fillRef idx="1">
+            <a:schemeClr val="lt1"/>
+          </a:fillRef>
+          <a:effectRef idx="0">
+            <a:schemeClr val="accent2"/>
+          </a:effectRef>
+          <a:fontRef idx="minor">
+            <a:schemeClr val="dk1"/>
+          </a:fontRef>
+        </p:style>
+        <p:txBody>
+          <a:bodyPr wrap="square" rtlCol="0">
+            <a:spAutoFit/>
+          </a:bodyPr>
+          <a:lstStyle/>
+          <a:p>
+            <a:r>
+              <a:rPr lang="en-US" sz="1000" dirty="0" err="1"/>
+              <a:t>persone</a:t>
+            </a:r>
+            <a:r>
+              <a:rPr lang="en-US" sz="1000" dirty="0"/>
+              <a:t> vaccinate per </a:t>
+            </a:r>
+            <a:r>
+              <a:rPr lang="en-US" sz="1000" dirty="0" err="1"/>
+              <a:t>regione</a:t>
+            </a:r>
+            <a:r>
+              <a:rPr lang="en-US" sz="1000" dirty="0"/>
+              <a:t> e per mese</a:t>
+            </a:r>
+            <a:endParaRPr lang="it-IT" sz="1000" dirty="0"/>
+          </a:p>
+        </p:txBody>
+      </p:sp>
+      <p:cxnSp>
+        <p:nvCxnSpPr>
+          <p:cNvPr id="23" name="Connettore curvo 22">
+            <a:extLst>
+              <a:ext uri="{FF2B5EF4-FFF2-40B4-BE49-F238E27FC236}">
+                <a16:creationId xmlns:a16="http://schemas.microsoft.com/office/drawing/2014/main" id="{8FDB3337-AF02-4538-B594-140CBE51050D}"/>
+              </a:ext>
+            </a:extLst>
+          </p:cNvPr>
+          <p:cNvCxnSpPr>
+            <a:cxnSpLocks/>
+            <a:stCxn id="22" idx="0"/>
+          </p:cNvCxnSpPr>
+          <p:nvPr/>
+        </p:nvCxnSpPr>
+        <p:spPr>
+          <a:xfrm rot="16200000" flipV="1">
+            <a:off x="5697327" y="3393408"/>
+            <a:ext cx="1178183" cy="144097"/>
+          </a:xfrm>
+          <a:prstGeom prst="curvedConnector3">
+            <a:avLst>
+              <a:gd name="adj1" fmla="val 50000"/>
+            </a:avLst>
+          </a:prstGeom>
+          <a:ln>
+            <a:tailEnd type="triangle"/>
+          </a:ln>
+        </p:spPr>
+        <p:style>
+          <a:lnRef idx="1">
+            <a:schemeClr val="accent2"/>
+          </a:lnRef>
+          <a:fillRef idx="0">
+            <a:schemeClr val="accent2"/>
+          </a:fillRef>
+          <a:effectRef idx="0">
+            <a:schemeClr val="accent2"/>
+          </a:effectRef>
+          <a:fontRef idx="minor">
+            <a:schemeClr val="tx1"/>
+          </a:fontRef>
+        </p:style>
+      </p:cxnSp>
+      <p:sp>
+        <p:nvSpPr>
+          <p:cNvPr id="27" name="CasellaDiTesto 26">
+            <a:extLst>
+              <a:ext uri="{FF2B5EF4-FFF2-40B4-BE49-F238E27FC236}">
+                <a16:creationId xmlns:a16="http://schemas.microsoft.com/office/drawing/2014/main" id="{3CC1A292-0BF9-475D-8265-73542CDCABB7}"/>
+              </a:ext>
+            </a:extLst>
+          </p:cNvPr>
+          <p:cNvSpPr txBox="1"/>
+          <p:nvPr/>
+        </p:nvSpPr>
+        <p:spPr>
+          <a:xfrm>
+            <a:off x="10732364" y="2300291"/>
+            <a:ext cx="954681" cy="553998"/>
+          </a:xfrm>
+          <a:prstGeom prst="rect">
+            <a:avLst/>
+          </a:prstGeom>
+        </p:spPr>
+        <p:style>
+          <a:lnRef idx="2">
+            <a:schemeClr val="accent2"/>
+          </a:lnRef>
+          <a:fillRef idx="1">
+            <a:schemeClr val="lt1"/>
+          </a:fillRef>
+          <a:effectRef idx="0">
+            <a:schemeClr val="accent2"/>
+          </a:effectRef>
+          <a:fontRef idx="minor">
+            <a:schemeClr val="dk1"/>
+          </a:fontRef>
+        </p:style>
+        <p:txBody>
+          <a:bodyPr wrap="square" rtlCol="0">
+            <a:spAutoFit/>
+          </a:bodyPr>
+          <a:lstStyle/>
+          <a:p>
+            <a:r>
+              <a:rPr lang="en-US" sz="1000" dirty="0" err="1"/>
+              <a:t>numero</a:t>
+            </a:r>
+            <a:r>
+              <a:rPr lang="en-US" sz="1000" dirty="0"/>
+              <a:t> </a:t>
+            </a:r>
+            <a:r>
+              <a:rPr lang="en-US" sz="1000" dirty="0" err="1"/>
+              <a:t>centri</a:t>
+            </a:r>
+            <a:r>
+              <a:rPr lang="en-US" sz="1000" dirty="0"/>
+              <a:t> </a:t>
+            </a:r>
+            <a:r>
+              <a:rPr lang="en-US" sz="1000" dirty="0" err="1"/>
+              <a:t>vaccinali</a:t>
+            </a:r>
+            <a:r>
+              <a:rPr lang="en-US" sz="1000" dirty="0"/>
+              <a:t> per </a:t>
+            </a:r>
+            <a:r>
+              <a:rPr lang="en-US" sz="1000" dirty="0" err="1"/>
+              <a:t>regione</a:t>
+            </a:r>
+            <a:endParaRPr lang="it-IT" sz="1000" dirty="0"/>
+          </a:p>
+        </p:txBody>
+      </p:sp>
+      <p:cxnSp>
+        <p:nvCxnSpPr>
+          <p:cNvPr id="28" name="Connettore curvo 27">
+            <a:extLst>
+              <a:ext uri="{FF2B5EF4-FFF2-40B4-BE49-F238E27FC236}">
+                <a16:creationId xmlns:a16="http://schemas.microsoft.com/office/drawing/2014/main" id="{4328AE0B-5068-4F86-A915-AA629214AEC2}"/>
+              </a:ext>
+            </a:extLst>
+          </p:cNvPr>
+          <p:cNvCxnSpPr>
+            <a:cxnSpLocks/>
+            <a:stCxn id="27" idx="0"/>
+          </p:cNvCxnSpPr>
+          <p:nvPr/>
+        </p:nvCxnSpPr>
+        <p:spPr>
+          <a:xfrm rot="16200000" flipH="1" flipV="1">
+            <a:off x="9773407" y="1351289"/>
+            <a:ext cx="487296" cy="2385300"/>
+          </a:xfrm>
+          <a:prstGeom prst="curvedConnector4">
+            <a:avLst>
+              <a:gd name="adj1" fmla="val -46912"/>
+              <a:gd name="adj2" fmla="val 60006"/>
+            </a:avLst>
+          </a:prstGeom>
+          <a:ln>
+            <a:tailEnd type="triangle"/>
+          </a:ln>
+        </p:spPr>
+        <p:style>
+          <a:lnRef idx="1">
+            <a:schemeClr val="accent2"/>
+          </a:lnRef>
+          <a:fillRef idx="0">
+            <a:schemeClr val="accent2"/>
+          </a:fillRef>
+          <a:effectRef idx="0">
+            <a:schemeClr val="accent2"/>
+          </a:effectRef>
+          <a:fontRef idx="minor">
+            <a:schemeClr val="tx1"/>
+          </a:fontRef>
+        </p:style>
+      </p:cxnSp>
+      <p:sp>
+        <p:nvSpPr>
+          <p:cNvPr id="32" name="CasellaDiTesto 31">
+            <a:extLst>
+              <a:ext uri="{FF2B5EF4-FFF2-40B4-BE49-F238E27FC236}">
+                <a16:creationId xmlns:a16="http://schemas.microsoft.com/office/drawing/2014/main" id="{495D7559-1AF7-43AF-AE18-2A6DBD9E3D2D}"/>
+              </a:ext>
+            </a:extLst>
+          </p:cNvPr>
+          <p:cNvSpPr txBox="1"/>
+          <p:nvPr/>
+        </p:nvSpPr>
+        <p:spPr>
+          <a:xfrm>
+            <a:off x="8203409" y="5604210"/>
+            <a:ext cx="954681" cy="553998"/>
+          </a:xfrm>
+          <a:prstGeom prst="rect">
+            <a:avLst/>
+          </a:prstGeom>
+        </p:spPr>
+        <p:style>
+          <a:lnRef idx="2">
+            <a:schemeClr val="accent2"/>
+          </a:lnRef>
+          <a:fillRef idx="1">
+            <a:schemeClr val="lt1"/>
+          </a:fillRef>
+          <a:effectRef idx="0">
+            <a:schemeClr val="accent2"/>
+          </a:effectRef>
+          <a:fontRef idx="minor">
+            <a:schemeClr val="dk1"/>
+          </a:fontRef>
+        </p:style>
+        <p:txBody>
+          <a:bodyPr wrap="square" rtlCol="0">
+            <a:spAutoFit/>
+          </a:bodyPr>
+          <a:lstStyle/>
+          <a:p>
+            <a:r>
+              <a:rPr lang="en-US" sz="1000" dirty="0"/>
+              <a:t>join </a:t>
+            </a:r>
+            <a:r>
+              <a:rPr lang="en-US" sz="1000" dirty="0" err="1"/>
+              <a:t>vaccinazioni</a:t>
+            </a:r>
+            <a:r>
+              <a:rPr lang="en-US" sz="1000" dirty="0"/>
+              <a:t> e </a:t>
+            </a:r>
+            <a:r>
+              <a:rPr lang="en-US" sz="1000" dirty="0" err="1"/>
+              <a:t>centri</a:t>
+            </a:r>
+            <a:r>
+              <a:rPr lang="en-US" sz="1000" dirty="0"/>
+              <a:t> </a:t>
+            </a:r>
+            <a:r>
+              <a:rPr lang="en-US" sz="1000" dirty="0" err="1"/>
+              <a:t>vaccinali</a:t>
+            </a:r>
+            <a:endParaRPr lang="it-IT" sz="1000" dirty="0"/>
+          </a:p>
+        </p:txBody>
+      </p:sp>
+      <p:cxnSp>
+        <p:nvCxnSpPr>
+          <p:cNvPr id="33" name="Connettore curvo 32">
+            <a:extLst>
+              <a:ext uri="{FF2B5EF4-FFF2-40B4-BE49-F238E27FC236}">
+                <a16:creationId xmlns:a16="http://schemas.microsoft.com/office/drawing/2014/main" id="{9BD986C6-C0B8-48E0-9D1B-EA9E0AE33260}"/>
+              </a:ext>
+            </a:extLst>
+          </p:cNvPr>
+          <p:cNvCxnSpPr>
+            <a:cxnSpLocks/>
+            <a:stCxn id="32" idx="0"/>
+          </p:cNvCxnSpPr>
+          <p:nvPr/>
+        </p:nvCxnSpPr>
+        <p:spPr>
+          <a:xfrm rot="16200000" flipV="1">
+            <a:off x="7770395" y="4693855"/>
+            <a:ext cx="1698035" cy="122676"/>
+          </a:xfrm>
+          <a:prstGeom prst="curvedConnector3">
+            <a:avLst>
+              <a:gd name="adj1" fmla="val 50000"/>
+            </a:avLst>
+          </a:prstGeom>
+          <a:ln>
+            <a:tailEnd type="triangle"/>
+          </a:ln>
+        </p:spPr>
+        <p:style>
+          <a:lnRef idx="1">
+            <a:schemeClr val="accent2"/>
+          </a:lnRef>
+          <a:fillRef idx="0">
+            <a:schemeClr val="accent2"/>
+          </a:fillRef>
+          <a:effectRef idx="0">
+            <a:schemeClr val="accent2"/>
+          </a:effectRef>
+          <a:fontRef idx="minor">
+            <a:schemeClr val="tx1"/>
+          </a:fontRef>
+        </p:style>
+      </p:cxnSp>
+      <p:sp>
+        <p:nvSpPr>
+          <p:cNvPr id="35" name="CasellaDiTesto 34">
+            <a:extLst>
+              <a:ext uri="{FF2B5EF4-FFF2-40B4-BE49-F238E27FC236}">
+                <a16:creationId xmlns:a16="http://schemas.microsoft.com/office/drawing/2014/main" id="{B11C60BF-ACB2-4DC4-A155-6BF173785241}"/>
+              </a:ext>
+            </a:extLst>
+          </p:cNvPr>
+          <p:cNvSpPr txBox="1"/>
+          <p:nvPr/>
+        </p:nvSpPr>
+        <p:spPr>
+          <a:xfrm>
+            <a:off x="10264613" y="5191453"/>
+            <a:ext cx="954681" cy="707886"/>
+          </a:xfrm>
+          <a:prstGeom prst="rect">
+            <a:avLst/>
+          </a:prstGeom>
+        </p:spPr>
+        <p:style>
+          <a:lnRef idx="2">
+            <a:schemeClr val="accent2"/>
+          </a:lnRef>
+          <a:fillRef idx="1">
+            <a:schemeClr val="lt1"/>
+          </a:fillRef>
+          <a:effectRef idx="0">
+            <a:schemeClr val="accent2"/>
+          </a:effectRef>
+          <a:fontRef idx="minor">
+            <a:schemeClr val="dk1"/>
+          </a:fontRef>
+        </p:style>
+        <p:txBody>
+          <a:bodyPr wrap="square" rtlCol="0">
+            <a:spAutoFit/>
+          </a:bodyPr>
+          <a:lstStyle/>
+          <a:p>
+            <a:r>
+              <a:rPr lang="en-US" sz="1000" dirty="0" err="1"/>
+              <a:t>numero</a:t>
+            </a:r>
+            <a:r>
+              <a:rPr lang="en-US" sz="1000" dirty="0"/>
+              <a:t> medio </a:t>
+            </a:r>
+            <a:r>
+              <a:rPr lang="en-US" sz="1000" dirty="0" err="1"/>
+              <a:t>vaccinazioni</a:t>
+            </a:r>
+            <a:r>
+              <a:rPr lang="en-US" sz="1000" dirty="0"/>
+              <a:t> per </a:t>
+            </a:r>
+            <a:r>
+              <a:rPr lang="en-US" sz="1000" dirty="0" err="1"/>
+              <a:t>centro</a:t>
+            </a:r>
+            <a:r>
+              <a:rPr lang="en-US" sz="1000" dirty="0"/>
+              <a:t> al </a:t>
+            </a:r>
+            <a:r>
+              <a:rPr lang="en-US" sz="1000" dirty="0" err="1"/>
+              <a:t>giorno</a:t>
+            </a:r>
+            <a:endParaRPr lang="it-IT" sz="1000" dirty="0"/>
+          </a:p>
+        </p:txBody>
+      </p:sp>
+      <p:cxnSp>
+        <p:nvCxnSpPr>
+          <p:cNvPr id="36" name="Connettore curvo 35">
+            <a:extLst>
+              <a:ext uri="{FF2B5EF4-FFF2-40B4-BE49-F238E27FC236}">
+                <a16:creationId xmlns:a16="http://schemas.microsoft.com/office/drawing/2014/main" id="{3B311CD1-0184-490F-89E2-659E7FEBC30B}"/>
+              </a:ext>
+            </a:extLst>
+          </p:cNvPr>
+          <p:cNvCxnSpPr>
+            <a:cxnSpLocks/>
+            <a:stCxn id="35" idx="0"/>
+          </p:cNvCxnSpPr>
+          <p:nvPr/>
+        </p:nvCxnSpPr>
+        <p:spPr>
+          <a:xfrm rot="16200000" flipV="1">
+            <a:off x="9429833" y="3879332"/>
+            <a:ext cx="739250" cy="1884992"/>
+          </a:xfrm>
+          <a:prstGeom prst="curvedConnector2">
+            <a:avLst/>
+          </a:prstGeom>
+          <a:ln>
+            <a:tailEnd type="triangle"/>
+          </a:ln>
+        </p:spPr>
+        <p:style>
+          <a:lnRef idx="1">
+            <a:schemeClr val="accent2"/>
+          </a:lnRef>
+          <a:fillRef idx="0">
+            <a:schemeClr val="accent2"/>
+          </a:fillRef>
+          <a:effectRef idx="0">
+            <a:schemeClr val="accent2"/>
+          </a:effectRef>
+          <a:fontRef idx="minor">
+            <a:schemeClr val="tx1"/>
+          </a:fontRef>
+        </p:style>
+      </p:cxnSp>
     </p:spTree>
     <p:extLst>
       <p:ext uri="{BB962C8B-B14F-4D97-AF65-F5344CB8AC3E}">
-        <p14:creationId xmlns:p14="http://schemas.microsoft.com/office/powerpoint/2010/main" val="3832041402"/>
+        <p14:creationId xmlns:p14="http://schemas.microsoft.com/office/powerpoint/2010/main" val="2972801139"/>
       </p:ext>
     </p:extLst>
   </p:cSld>
